--- a/03_Working_with_Multiple_Tables.pptx
+++ b/03_Working_with_Multiple_Tables.pptx
@@ -11,8 +11,8 @@
     <p:sldId id="1635" r:id="rId2"/>
     <p:sldId id="1612" r:id="rId3"/>
     <p:sldId id="374" r:id="rId4"/>
-    <p:sldId id="1590" r:id="rId5"/>
-    <p:sldId id="1591" r:id="rId6"/>
+    <p:sldId id="1591" r:id="rId5"/>
+    <p:sldId id="1590" r:id="rId6"/>
     <p:sldId id="337" r:id="rId7"/>
     <p:sldId id="338" r:id="rId8"/>
     <p:sldId id="339" r:id="rId9"/>
@@ -127,8 +127,8 @@
             <p14:sldId id="1635"/>
             <p14:sldId id="1612"/>
             <p14:sldId id="374"/>
+            <p14:sldId id="1591"/>
             <p14:sldId id="1590"/>
-            <p14:sldId id="1591"/>
             <p14:sldId id="337"/>
             <p14:sldId id="338"/>
             <p14:sldId id="339"/>
@@ -2883,7 +2883,7 @@
           <a:p>
             <a:fld id="{CFBA6064-FDE0-48E8-9405-22609F48ED19}" type="datetimeFigureOut">
               <a:rPr lang="en-US" smtClean="0"/>
-              <a:t>11/3/2020</a:t>
+              <a:t>11/23/2021</a:t>
             </a:fld>
             <a:endParaRPr lang="en-US"/>
           </a:p>
@@ -5743,46 +5743,671 @@
           </a:p>
         </p:txBody>
       </p:sp>
-      <p:pic>
-        <p:nvPicPr>
-          <p:cNvPr id="4" name="Picture 3">
+      <p:sp>
+        <p:nvSpPr>
+          <p:cNvPr id="2" name="TextBox 1">
             <a:extLst>
               <a:ext uri="{FF2B5EF4-FFF2-40B4-BE49-F238E27FC236}">
-                <a16:creationId xmlns:a16="http://schemas.microsoft.com/office/drawing/2014/main" id="{C3E188CA-B0DE-4563-9D03-EFD78EAA60E6}"/>
+                <a16:creationId xmlns:a16="http://schemas.microsoft.com/office/drawing/2014/main" id="{4902DAE3-295A-4623-BC4F-4CAD8973B15B}"/>
               </a:ext>
             </a:extLst>
           </p:cNvPr>
-          <p:cNvPicPr>
-            <a:picLocks noChangeAspect="1"/>
-          </p:cNvPicPr>
+          <p:cNvSpPr txBox="1"/>
           <p:nvPr/>
-        </p:nvPicPr>
-        <p:blipFill>
-          <a:blip r:embed="rId2"/>
-          <a:stretch>
-            <a:fillRect/>
-          </a:stretch>
-        </p:blipFill>
+        </p:nvSpPr>
         <p:spPr>
           <a:xfrm>
-            <a:off x="1106426" y="925849"/>
-            <a:ext cx="10010077" cy="5205239"/>
+            <a:off x="617517" y="1514035"/>
+            <a:ext cx="11459689" cy="3539430"/>
           </a:xfrm>
           <a:prstGeom prst="rect">
             <a:avLst/>
           </a:prstGeom>
-          <a:ln>
-            <a:noFill/>
-          </a:ln>
-          <a:effectLst>
-            <a:outerShdw blurRad="190500" algn="tl" rotWithShape="0">
-              <a:srgbClr val="000000">
-                <a:alpha val="70000"/>
-              </a:srgbClr>
-            </a:outerShdw>
-          </a:effectLst>
+          <a:noFill/>
         </p:spPr>
-      </p:pic>
+        <p:txBody>
+          <a:bodyPr wrap="square" rtlCol="0">
+            <a:spAutoFit/>
+          </a:bodyPr>
+          <a:lstStyle/>
+          <a:p>
+            <a:r>
+              <a:rPr lang="en-US" sz="3200" dirty="0">
+                <a:solidFill>
+                  <a:srgbClr val="0000FF"/>
+                </a:solidFill>
+                <a:latin typeface="Consolas" panose="020B0609020204030204" pitchFamily="49" charset="0"/>
+              </a:rPr>
+              <a:t>SELECT</a:t>
+            </a:r>
+            <a:r>
+              <a:rPr lang="en-US" sz="3200" dirty="0">
+                <a:solidFill>
+                  <a:srgbClr val="000000"/>
+                </a:solidFill>
+                <a:latin typeface="Consolas" panose="020B0609020204030204" pitchFamily="49" charset="0"/>
+              </a:rPr>
+              <a:t> </a:t>
+            </a:r>
+            <a:r>
+              <a:rPr lang="en-US" sz="3200" dirty="0" err="1">
+                <a:solidFill>
+                  <a:srgbClr val="000000"/>
+                </a:solidFill>
+                <a:latin typeface="Consolas" panose="020B0609020204030204" pitchFamily="49" charset="0"/>
+              </a:rPr>
+              <a:t>SOH</a:t>
+            </a:r>
+            <a:r>
+              <a:rPr lang="en-US" sz="3200" dirty="0" err="1">
+                <a:solidFill>
+                  <a:srgbClr val="808080"/>
+                </a:solidFill>
+                <a:latin typeface="Consolas" panose="020B0609020204030204" pitchFamily="49" charset="0"/>
+              </a:rPr>
+              <a:t>.</a:t>
+            </a:r>
+            <a:r>
+              <a:rPr lang="en-US" sz="3200" dirty="0" err="1">
+                <a:solidFill>
+                  <a:srgbClr val="000000"/>
+                </a:solidFill>
+                <a:latin typeface="Consolas" panose="020B0609020204030204" pitchFamily="49" charset="0"/>
+              </a:rPr>
+              <a:t>SalesOrderID</a:t>
+            </a:r>
+            <a:r>
+              <a:rPr lang="en-US" sz="3200" dirty="0">
+                <a:solidFill>
+                  <a:srgbClr val="808080"/>
+                </a:solidFill>
+                <a:latin typeface="Consolas" panose="020B0609020204030204" pitchFamily="49" charset="0"/>
+              </a:rPr>
+              <a:t>,</a:t>
+            </a:r>
+            <a:r>
+              <a:rPr lang="en-US" sz="3200" dirty="0">
+                <a:solidFill>
+                  <a:srgbClr val="000000"/>
+                </a:solidFill>
+                <a:latin typeface="Consolas" panose="020B0609020204030204" pitchFamily="49" charset="0"/>
+              </a:rPr>
+              <a:t> </a:t>
+            </a:r>
+            <a:r>
+              <a:rPr lang="en-US" sz="3200" dirty="0" err="1">
+                <a:solidFill>
+                  <a:srgbClr val="000000"/>
+                </a:solidFill>
+                <a:latin typeface="Consolas" panose="020B0609020204030204" pitchFamily="49" charset="0"/>
+              </a:rPr>
+              <a:t>SOH</a:t>
+            </a:r>
+            <a:r>
+              <a:rPr lang="en-US" sz="3200" dirty="0" err="1">
+                <a:solidFill>
+                  <a:srgbClr val="808080"/>
+                </a:solidFill>
+                <a:latin typeface="Consolas" panose="020B0609020204030204" pitchFamily="49" charset="0"/>
+              </a:rPr>
+              <a:t>.</a:t>
+            </a:r>
+            <a:r>
+              <a:rPr lang="en-US" sz="3200" dirty="0" err="1">
+                <a:solidFill>
+                  <a:srgbClr val="000000"/>
+                </a:solidFill>
+                <a:latin typeface="Consolas" panose="020B0609020204030204" pitchFamily="49" charset="0"/>
+              </a:rPr>
+              <a:t>CustomerID</a:t>
+            </a:r>
+            <a:r>
+              <a:rPr lang="en-US" sz="3200" dirty="0">
+                <a:solidFill>
+                  <a:srgbClr val="808080"/>
+                </a:solidFill>
+                <a:latin typeface="Consolas" panose="020B0609020204030204" pitchFamily="49" charset="0"/>
+              </a:rPr>
+              <a:t>,</a:t>
+            </a:r>
+            <a:endParaRPr lang="en-US" sz="3200" dirty="0">
+              <a:solidFill>
+                <a:srgbClr val="000000"/>
+              </a:solidFill>
+              <a:latin typeface="Consolas" panose="020B0609020204030204" pitchFamily="49" charset="0"/>
+            </a:endParaRPr>
+          </a:p>
+          <a:p>
+            <a:r>
+              <a:rPr lang="en-US" sz="3200" dirty="0">
+                <a:solidFill>
+                  <a:srgbClr val="000000"/>
+                </a:solidFill>
+                <a:latin typeface="Consolas" panose="020B0609020204030204" pitchFamily="49" charset="0"/>
+              </a:rPr>
+              <a:t>	</a:t>
+            </a:r>
+            <a:r>
+              <a:rPr lang="en-US" sz="3200" dirty="0" err="1">
+                <a:solidFill>
+                  <a:srgbClr val="000000"/>
+                </a:solidFill>
+                <a:latin typeface="Consolas" panose="020B0609020204030204" pitchFamily="49" charset="0"/>
+              </a:rPr>
+              <a:t>OrderQty</a:t>
+            </a:r>
+            <a:r>
+              <a:rPr lang="en-US" sz="3200" dirty="0">
+                <a:solidFill>
+                  <a:srgbClr val="808080"/>
+                </a:solidFill>
+                <a:latin typeface="Consolas" panose="020B0609020204030204" pitchFamily="49" charset="0"/>
+              </a:rPr>
+              <a:t>,</a:t>
+            </a:r>
+            <a:r>
+              <a:rPr lang="en-US" sz="3200" dirty="0">
+                <a:solidFill>
+                  <a:srgbClr val="000000"/>
+                </a:solidFill>
+                <a:latin typeface="Consolas" panose="020B0609020204030204" pitchFamily="49" charset="0"/>
+              </a:rPr>
+              <a:t> </a:t>
+            </a:r>
+            <a:r>
+              <a:rPr lang="en-US" sz="3200" dirty="0" err="1">
+                <a:solidFill>
+                  <a:srgbClr val="000000"/>
+                </a:solidFill>
+                <a:latin typeface="Consolas" panose="020B0609020204030204" pitchFamily="49" charset="0"/>
+              </a:rPr>
+              <a:t>UnitPrice</a:t>
+            </a:r>
+            <a:r>
+              <a:rPr lang="en-US" sz="3200" dirty="0">
+                <a:solidFill>
+                  <a:srgbClr val="808080"/>
+                </a:solidFill>
+                <a:latin typeface="Consolas" panose="020B0609020204030204" pitchFamily="49" charset="0"/>
+              </a:rPr>
+              <a:t>,</a:t>
+            </a:r>
+            <a:r>
+              <a:rPr lang="en-US" sz="3200" dirty="0">
+                <a:solidFill>
+                  <a:srgbClr val="000000"/>
+                </a:solidFill>
+                <a:latin typeface="Consolas" panose="020B0609020204030204" pitchFamily="49" charset="0"/>
+              </a:rPr>
+              <a:t> </a:t>
+            </a:r>
+            <a:r>
+              <a:rPr lang="en-US" sz="3200" dirty="0" err="1">
+                <a:solidFill>
+                  <a:srgbClr val="000000"/>
+                </a:solidFill>
+                <a:latin typeface="Consolas" panose="020B0609020204030204" pitchFamily="49" charset="0"/>
+              </a:rPr>
+              <a:t>P</a:t>
+            </a:r>
+            <a:r>
+              <a:rPr lang="en-US" sz="3200" dirty="0" err="1">
+                <a:solidFill>
+                  <a:srgbClr val="808080"/>
+                </a:solidFill>
+                <a:latin typeface="Consolas" panose="020B0609020204030204" pitchFamily="49" charset="0"/>
+              </a:rPr>
+              <a:t>.</a:t>
+            </a:r>
+            <a:r>
+              <a:rPr lang="en-US" sz="3200" dirty="0" err="1">
+                <a:solidFill>
+                  <a:srgbClr val="0000FF"/>
+                </a:solidFill>
+                <a:latin typeface="Consolas" panose="020B0609020204030204" pitchFamily="49" charset="0"/>
+              </a:rPr>
+              <a:t>Name</a:t>
+            </a:r>
+            <a:endParaRPr lang="en-US" sz="3200" dirty="0">
+              <a:solidFill>
+                <a:srgbClr val="000000"/>
+              </a:solidFill>
+              <a:latin typeface="Consolas" panose="020B0609020204030204" pitchFamily="49" charset="0"/>
+            </a:endParaRPr>
+          </a:p>
+          <a:p>
+            <a:r>
+              <a:rPr lang="en-US" sz="3200" dirty="0">
+                <a:solidFill>
+                  <a:srgbClr val="0000FF"/>
+                </a:solidFill>
+                <a:latin typeface="Consolas" panose="020B0609020204030204" pitchFamily="49" charset="0"/>
+              </a:rPr>
+              <a:t>FROM</a:t>
+            </a:r>
+            <a:r>
+              <a:rPr lang="en-US" sz="3200" dirty="0">
+                <a:solidFill>
+                  <a:srgbClr val="000000"/>
+                </a:solidFill>
+                <a:latin typeface="Consolas" panose="020B0609020204030204" pitchFamily="49" charset="0"/>
+              </a:rPr>
+              <a:t> </a:t>
+            </a:r>
+            <a:r>
+              <a:rPr lang="en-US" sz="3200" dirty="0" err="1">
+                <a:solidFill>
+                  <a:srgbClr val="000000"/>
+                </a:solidFill>
+                <a:latin typeface="Consolas" panose="020B0609020204030204" pitchFamily="49" charset="0"/>
+              </a:rPr>
+              <a:t>Sales</a:t>
+            </a:r>
+            <a:r>
+              <a:rPr lang="en-US" sz="3200" dirty="0" err="1">
+                <a:solidFill>
+                  <a:srgbClr val="808080"/>
+                </a:solidFill>
+                <a:latin typeface="Consolas" panose="020B0609020204030204" pitchFamily="49" charset="0"/>
+              </a:rPr>
+              <a:t>.</a:t>
+            </a:r>
+            <a:r>
+              <a:rPr lang="en-US" sz="3200" dirty="0" err="1">
+                <a:solidFill>
+                  <a:srgbClr val="000000"/>
+                </a:solidFill>
+                <a:latin typeface="Consolas" panose="020B0609020204030204" pitchFamily="49" charset="0"/>
+              </a:rPr>
+              <a:t>SalesOrderHeader</a:t>
+            </a:r>
+            <a:r>
+              <a:rPr lang="en-US" sz="3200" dirty="0">
+                <a:solidFill>
+                  <a:srgbClr val="000000"/>
+                </a:solidFill>
+                <a:latin typeface="Consolas" panose="020B0609020204030204" pitchFamily="49" charset="0"/>
+              </a:rPr>
+              <a:t> </a:t>
+            </a:r>
+            <a:r>
+              <a:rPr lang="en-US" sz="3200" dirty="0">
+                <a:solidFill>
+                  <a:srgbClr val="0000FF"/>
+                </a:solidFill>
+                <a:latin typeface="Consolas" panose="020B0609020204030204" pitchFamily="49" charset="0"/>
+              </a:rPr>
+              <a:t>AS</a:t>
+            </a:r>
+            <a:r>
+              <a:rPr lang="en-US" sz="3200" dirty="0">
+                <a:solidFill>
+                  <a:srgbClr val="000000"/>
+                </a:solidFill>
+                <a:latin typeface="Consolas" panose="020B0609020204030204" pitchFamily="49" charset="0"/>
+              </a:rPr>
+              <a:t> SOH</a:t>
+            </a:r>
+          </a:p>
+          <a:p>
+            <a:r>
+              <a:rPr lang="en-US" sz="3200" dirty="0">
+                <a:solidFill>
+                  <a:srgbClr val="808080"/>
+                </a:solidFill>
+                <a:latin typeface="Consolas" panose="020B0609020204030204" pitchFamily="49" charset="0"/>
+              </a:rPr>
+              <a:t>	JOIN</a:t>
+            </a:r>
+            <a:r>
+              <a:rPr lang="en-US" sz="3200" dirty="0">
+                <a:solidFill>
+                  <a:srgbClr val="000000"/>
+                </a:solidFill>
+                <a:latin typeface="Consolas" panose="020B0609020204030204" pitchFamily="49" charset="0"/>
+              </a:rPr>
+              <a:t> </a:t>
+            </a:r>
+            <a:r>
+              <a:rPr lang="en-US" sz="3200" dirty="0" err="1">
+                <a:solidFill>
+                  <a:srgbClr val="000000"/>
+                </a:solidFill>
+                <a:latin typeface="Consolas" panose="020B0609020204030204" pitchFamily="49" charset="0"/>
+              </a:rPr>
+              <a:t>Sales</a:t>
+            </a:r>
+            <a:r>
+              <a:rPr lang="en-US" sz="3200" dirty="0" err="1">
+                <a:solidFill>
+                  <a:srgbClr val="808080"/>
+                </a:solidFill>
+                <a:latin typeface="Consolas" panose="020B0609020204030204" pitchFamily="49" charset="0"/>
+              </a:rPr>
+              <a:t>.</a:t>
+            </a:r>
+            <a:r>
+              <a:rPr lang="en-US" sz="3200" dirty="0" err="1">
+                <a:solidFill>
+                  <a:srgbClr val="000000"/>
+                </a:solidFill>
+                <a:latin typeface="Consolas" panose="020B0609020204030204" pitchFamily="49" charset="0"/>
+              </a:rPr>
+              <a:t>SalesOrderDetail</a:t>
+            </a:r>
+            <a:r>
+              <a:rPr lang="en-US" sz="3200" dirty="0">
+                <a:solidFill>
+                  <a:srgbClr val="000000"/>
+                </a:solidFill>
+                <a:latin typeface="Consolas" panose="020B0609020204030204" pitchFamily="49" charset="0"/>
+              </a:rPr>
+              <a:t> </a:t>
+            </a:r>
+            <a:r>
+              <a:rPr lang="en-US" sz="3200" dirty="0">
+                <a:solidFill>
+                  <a:srgbClr val="0000FF"/>
+                </a:solidFill>
+                <a:latin typeface="Consolas" panose="020B0609020204030204" pitchFamily="49" charset="0"/>
+              </a:rPr>
+              <a:t>AS</a:t>
+            </a:r>
+            <a:r>
+              <a:rPr lang="en-US" sz="3200" dirty="0">
+                <a:solidFill>
+                  <a:srgbClr val="000000"/>
+                </a:solidFill>
+                <a:latin typeface="Consolas" panose="020B0609020204030204" pitchFamily="49" charset="0"/>
+              </a:rPr>
+              <a:t> SOD</a:t>
+            </a:r>
+          </a:p>
+          <a:p>
+            <a:r>
+              <a:rPr lang="en-US" sz="3200" dirty="0">
+                <a:solidFill>
+                  <a:srgbClr val="0000FF"/>
+                </a:solidFill>
+                <a:latin typeface="Consolas" panose="020B0609020204030204" pitchFamily="49" charset="0"/>
+              </a:rPr>
+              <a:t>		ON</a:t>
+            </a:r>
+            <a:r>
+              <a:rPr lang="en-US" sz="3200" dirty="0">
+                <a:solidFill>
+                  <a:srgbClr val="000000"/>
+                </a:solidFill>
+                <a:latin typeface="Consolas" panose="020B0609020204030204" pitchFamily="49" charset="0"/>
+              </a:rPr>
+              <a:t> </a:t>
+            </a:r>
+            <a:r>
+              <a:rPr lang="en-US" sz="3200" dirty="0" err="1">
+                <a:solidFill>
+                  <a:srgbClr val="000000"/>
+                </a:solidFill>
+                <a:latin typeface="Consolas" panose="020B0609020204030204" pitchFamily="49" charset="0"/>
+              </a:rPr>
+              <a:t>SOH</a:t>
+            </a:r>
+            <a:r>
+              <a:rPr lang="en-US" sz="3200" dirty="0" err="1">
+                <a:solidFill>
+                  <a:srgbClr val="808080"/>
+                </a:solidFill>
+                <a:latin typeface="Consolas" panose="020B0609020204030204" pitchFamily="49" charset="0"/>
+              </a:rPr>
+              <a:t>.</a:t>
+            </a:r>
+            <a:r>
+              <a:rPr lang="en-US" sz="3200" dirty="0" err="1">
+                <a:solidFill>
+                  <a:srgbClr val="000000"/>
+                </a:solidFill>
+                <a:latin typeface="Consolas" panose="020B0609020204030204" pitchFamily="49" charset="0"/>
+              </a:rPr>
+              <a:t>SalesOrderID</a:t>
+            </a:r>
+            <a:r>
+              <a:rPr lang="en-US" sz="3200" dirty="0">
+                <a:solidFill>
+                  <a:srgbClr val="000000"/>
+                </a:solidFill>
+                <a:latin typeface="Consolas" panose="020B0609020204030204" pitchFamily="49" charset="0"/>
+              </a:rPr>
+              <a:t> </a:t>
+            </a:r>
+            <a:r>
+              <a:rPr lang="en-US" sz="3200" dirty="0">
+                <a:solidFill>
+                  <a:srgbClr val="808080"/>
+                </a:solidFill>
+                <a:latin typeface="Consolas" panose="020B0609020204030204" pitchFamily="49" charset="0"/>
+              </a:rPr>
+              <a:t>=</a:t>
+            </a:r>
+            <a:r>
+              <a:rPr lang="en-US" sz="3200" dirty="0">
+                <a:solidFill>
+                  <a:srgbClr val="000000"/>
+                </a:solidFill>
+                <a:latin typeface="Consolas" panose="020B0609020204030204" pitchFamily="49" charset="0"/>
+              </a:rPr>
+              <a:t> </a:t>
+            </a:r>
+            <a:r>
+              <a:rPr lang="en-US" sz="3200" dirty="0" err="1">
+                <a:solidFill>
+                  <a:srgbClr val="000000"/>
+                </a:solidFill>
+                <a:latin typeface="Consolas" panose="020B0609020204030204" pitchFamily="49" charset="0"/>
+              </a:rPr>
+              <a:t>SOD</a:t>
+            </a:r>
+            <a:r>
+              <a:rPr lang="en-US" sz="3200" dirty="0" err="1">
+                <a:solidFill>
+                  <a:srgbClr val="808080"/>
+                </a:solidFill>
+                <a:latin typeface="Consolas" panose="020B0609020204030204" pitchFamily="49" charset="0"/>
+              </a:rPr>
+              <a:t>.</a:t>
+            </a:r>
+            <a:r>
+              <a:rPr lang="en-US" sz="3200" dirty="0" err="1">
+                <a:solidFill>
+                  <a:srgbClr val="000000"/>
+                </a:solidFill>
+                <a:latin typeface="Consolas" panose="020B0609020204030204" pitchFamily="49" charset="0"/>
+              </a:rPr>
+              <a:t>SalesOrderID</a:t>
+            </a:r>
+            <a:endParaRPr lang="en-US" sz="3200" dirty="0">
+              <a:solidFill>
+                <a:srgbClr val="000000"/>
+              </a:solidFill>
+              <a:latin typeface="Consolas" panose="020B0609020204030204" pitchFamily="49" charset="0"/>
+            </a:endParaRPr>
+          </a:p>
+          <a:p>
+            <a:r>
+              <a:rPr lang="en-US" sz="3200" dirty="0">
+                <a:solidFill>
+                  <a:srgbClr val="808080"/>
+                </a:solidFill>
+                <a:latin typeface="Consolas" panose="020B0609020204030204" pitchFamily="49" charset="0"/>
+              </a:rPr>
+              <a:t>	JOIN</a:t>
+            </a:r>
+            <a:r>
+              <a:rPr lang="en-US" sz="3200" dirty="0">
+                <a:solidFill>
+                  <a:srgbClr val="000000"/>
+                </a:solidFill>
+                <a:latin typeface="Consolas" panose="020B0609020204030204" pitchFamily="49" charset="0"/>
+              </a:rPr>
+              <a:t> </a:t>
+            </a:r>
+            <a:r>
+              <a:rPr lang="en-US" sz="3200" dirty="0" err="1">
+                <a:solidFill>
+                  <a:srgbClr val="000000"/>
+                </a:solidFill>
+                <a:latin typeface="Consolas" panose="020B0609020204030204" pitchFamily="49" charset="0"/>
+              </a:rPr>
+              <a:t>Production</a:t>
+            </a:r>
+            <a:r>
+              <a:rPr lang="en-US" sz="3200" dirty="0" err="1">
+                <a:solidFill>
+                  <a:srgbClr val="808080"/>
+                </a:solidFill>
+                <a:latin typeface="Consolas" panose="020B0609020204030204" pitchFamily="49" charset="0"/>
+              </a:rPr>
+              <a:t>.</a:t>
+            </a:r>
+            <a:r>
+              <a:rPr lang="en-US" sz="3200" dirty="0" err="1">
+                <a:solidFill>
+                  <a:srgbClr val="000000"/>
+                </a:solidFill>
+                <a:latin typeface="Consolas" panose="020B0609020204030204" pitchFamily="49" charset="0"/>
+              </a:rPr>
+              <a:t>Product</a:t>
+            </a:r>
+            <a:r>
+              <a:rPr lang="en-US" sz="3200" dirty="0">
+                <a:solidFill>
+                  <a:srgbClr val="000000"/>
+                </a:solidFill>
+                <a:latin typeface="Consolas" panose="020B0609020204030204" pitchFamily="49" charset="0"/>
+              </a:rPr>
+              <a:t> </a:t>
+            </a:r>
+            <a:r>
+              <a:rPr lang="en-US" sz="3200" dirty="0">
+                <a:solidFill>
+                  <a:srgbClr val="0000FF"/>
+                </a:solidFill>
+                <a:latin typeface="Consolas" panose="020B0609020204030204" pitchFamily="49" charset="0"/>
+              </a:rPr>
+              <a:t>AS</a:t>
+            </a:r>
+            <a:r>
+              <a:rPr lang="en-US" sz="3200" dirty="0">
+                <a:solidFill>
+                  <a:srgbClr val="000000"/>
+                </a:solidFill>
+                <a:latin typeface="Consolas" panose="020B0609020204030204" pitchFamily="49" charset="0"/>
+              </a:rPr>
+              <a:t> P</a:t>
+            </a:r>
+          </a:p>
+          <a:p>
+            <a:r>
+              <a:rPr lang="en-US" sz="3200" dirty="0">
+                <a:solidFill>
+                  <a:srgbClr val="0000FF"/>
+                </a:solidFill>
+                <a:latin typeface="Consolas" panose="020B0609020204030204" pitchFamily="49" charset="0"/>
+              </a:rPr>
+              <a:t>		ON</a:t>
+            </a:r>
+            <a:r>
+              <a:rPr lang="en-US" sz="3200" dirty="0">
+                <a:solidFill>
+                  <a:srgbClr val="000000"/>
+                </a:solidFill>
+                <a:latin typeface="Consolas" panose="020B0609020204030204" pitchFamily="49" charset="0"/>
+              </a:rPr>
+              <a:t> </a:t>
+            </a:r>
+            <a:r>
+              <a:rPr lang="en-US" sz="3200" dirty="0" err="1">
+                <a:solidFill>
+                  <a:srgbClr val="000000"/>
+                </a:solidFill>
+                <a:latin typeface="Consolas" panose="020B0609020204030204" pitchFamily="49" charset="0"/>
+              </a:rPr>
+              <a:t>P</a:t>
+            </a:r>
+            <a:r>
+              <a:rPr lang="en-US" sz="3200" dirty="0" err="1">
+                <a:solidFill>
+                  <a:srgbClr val="808080"/>
+                </a:solidFill>
+                <a:latin typeface="Consolas" panose="020B0609020204030204" pitchFamily="49" charset="0"/>
+              </a:rPr>
+              <a:t>.</a:t>
+            </a:r>
+            <a:r>
+              <a:rPr lang="en-US" sz="3200" dirty="0" err="1">
+                <a:solidFill>
+                  <a:srgbClr val="000000"/>
+                </a:solidFill>
+                <a:latin typeface="Consolas" panose="020B0609020204030204" pitchFamily="49" charset="0"/>
+              </a:rPr>
+              <a:t>ProductID</a:t>
+            </a:r>
+            <a:r>
+              <a:rPr lang="en-US" sz="3200" dirty="0">
+                <a:solidFill>
+                  <a:srgbClr val="000000"/>
+                </a:solidFill>
+                <a:latin typeface="Consolas" panose="020B0609020204030204" pitchFamily="49" charset="0"/>
+              </a:rPr>
+              <a:t> </a:t>
+            </a:r>
+            <a:r>
+              <a:rPr lang="en-US" sz="3200" dirty="0">
+                <a:solidFill>
+                  <a:srgbClr val="808080"/>
+                </a:solidFill>
+                <a:latin typeface="Consolas" panose="020B0609020204030204" pitchFamily="49" charset="0"/>
+              </a:rPr>
+              <a:t>=</a:t>
+            </a:r>
+            <a:r>
+              <a:rPr lang="en-US" sz="3200" dirty="0">
+                <a:solidFill>
+                  <a:srgbClr val="000000"/>
+                </a:solidFill>
+                <a:latin typeface="Consolas" panose="020B0609020204030204" pitchFamily="49" charset="0"/>
+              </a:rPr>
+              <a:t> </a:t>
+            </a:r>
+            <a:r>
+              <a:rPr lang="en-US" sz="3200" dirty="0" err="1">
+                <a:solidFill>
+                  <a:srgbClr val="000000"/>
+                </a:solidFill>
+                <a:latin typeface="Consolas" panose="020B0609020204030204" pitchFamily="49" charset="0"/>
+              </a:rPr>
+              <a:t>SOD</a:t>
+            </a:r>
+            <a:r>
+              <a:rPr lang="en-US" sz="3200" dirty="0" err="1">
+                <a:solidFill>
+                  <a:srgbClr val="808080"/>
+                </a:solidFill>
+                <a:latin typeface="Consolas" panose="020B0609020204030204" pitchFamily="49" charset="0"/>
+              </a:rPr>
+              <a:t>.</a:t>
+            </a:r>
+            <a:r>
+              <a:rPr lang="en-US" sz="3200" dirty="0" err="1">
+                <a:solidFill>
+                  <a:srgbClr val="000000"/>
+                </a:solidFill>
+                <a:latin typeface="Consolas" panose="020B0609020204030204" pitchFamily="49" charset="0"/>
+              </a:rPr>
+              <a:t>ProductID</a:t>
+            </a:r>
+            <a:endParaRPr lang="en-US" sz="3200" dirty="0"/>
+          </a:p>
+        </p:txBody>
+      </p:sp>
     </p:spTree>
     <p:extLst>
       <p:ext uri="{BB962C8B-B14F-4D97-AF65-F5344CB8AC3E}">
@@ -5805,6 +6430,1411 @@
 </file>
 
 <file path=ppt/slides/slide4.xml><?xml version="1.0" encoding="utf-8"?>
+<p:sld xmlns:a="http://schemas.openxmlformats.org/drawingml/2006/main" xmlns:r="http://schemas.openxmlformats.org/officeDocument/2006/relationships" xmlns:p="http://schemas.openxmlformats.org/presentationml/2006/main">
+  <p:cSld>
+    <p:spTree>
+      <p:nvGrpSpPr>
+        <p:cNvPr id="1" name=""/>
+        <p:cNvGrpSpPr/>
+        <p:nvPr/>
+      </p:nvGrpSpPr>
+      <p:grpSpPr>
+        <a:xfrm>
+          <a:off x="0" y="0"/>
+          <a:ext cx="0" cy="0"/>
+          <a:chOff x="0" y="0"/>
+          <a:chExt cx="0" cy="0"/>
+        </a:xfrm>
+      </p:grpSpPr>
+      <p:sp>
+        <p:nvSpPr>
+          <p:cNvPr id="13" name="Title 3">
+            <a:extLst>
+              <a:ext uri="{FF2B5EF4-FFF2-40B4-BE49-F238E27FC236}">
+                <a16:creationId xmlns:a16="http://schemas.microsoft.com/office/drawing/2014/main" id="{801D87DF-ECCF-413F-857F-FA7562D70F05}"/>
+              </a:ext>
+            </a:extLst>
+          </p:cNvPr>
+          <p:cNvSpPr txBox="1">
+            <a:spLocks/>
+          </p:cNvSpPr>
+          <p:nvPr/>
+        </p:nvSpPr>
+        <p:spPr>
+          <a:xfrm>
+            <a:off x="283545" y="216812"/>
+            <a:ext cx="11655840" cy="899537"/>
+          </a:xfrm>
+          <a:prstGeom prst="rect">
+            <a:avLst/>
+          </a:prstGeom>
+        </p:spPr>
+        <p:txBody>
+          <a:bodyPr vert="horz" wrap="square" lIns="143428" tIns="89642" rIns="143428" bIns="89642" rtlCol="0" anchor="t">
+            <a:noAutofit/>
+          </a:bodyPr>
+          <a:lstStyle>
+            <a:lvl1pPr algn="l" defTabSz="932742" rtl="0" eaLnBrk="1" latinLnBrk="0" hangingPunct="1">
+              <a:lnSpc>
+                <a:spcPct val="90000"/>
+              </a:lnSpc>
+              <a:spcBef>
+                <a:spcPct val="0"/>
+              </a:spcBef>
+              <a:buNone/>
+              <a:defRPr lang="en-US" sz="4800" b="0" kern="1200" cap="none" spc="-102" baseline="0" dirty="0" smtClean="0">
+                <a:ln w="3175">
+                  <a:noFill/>
+                </a:ln>
+                <a:solidFill>
+                  <a:srgbClr val="0078D7"/>
+                </a:solidFill>
+                <a:effectLst/>
+                <a:latin typeface="+mj-lt"/>
+                <a:ea typeface="+mn-ea"/>
+                <a:cs typeface="Segoe UI" pitchFamily="34" charset="0"/>
+              </a:defRPr>
+            </a:lvl1pPr>
+          </a:lstStyle>
+          <a:p>
+            <a:pPr defTabSz="457112">
+              <a:lnSpc>
+                <a:spcPts val="3500"/>
+              </a:lnSpc>
+              <a:defRPr/>
+            </a:pPr>
+            <a:r>
+              <a:rPr lang="en-US" sz="3600" spc="0" dirty="0">
+                <a:ln>
+                  <a:noFill/>
+                </a:ln>
+                <a:solidFill>
+                  <a:schemeClr val="accent4">
+                    <a:lumMod val="75000"/>
+                  </a:schemeClr>
+                </a:solidFill>
+                <a:ea typeface="+mj-ea"/>
+                <a:cs typeface="Segoe UI Light"/>
+              </a:rPr>
+              <a:t>Finding relationships</a:t>
+            </a:r>
+          </a:p>
+        </p:txBody>
+      </p:sp>
+      <p:grpSp>
+        <p:nvGrpSpPr>
+          <p:cNvPr id="22" name="Group 8">
+            <a:extLst>
+              <a:ext uri="{FF2B5EF4-FFF2-40B4-BE49-F238E27FC236}">
+                <a16:creationId xmlns:a16="http://schemas.microsoft.com/office/drawing/2014/main" id="{8AED4660-9E8E-41E0-8832-5A0F610BF150}"/>
+              </a:ext>
+            </a:extLst>
+          </p:cNvPr>
+          <p:cNvGrpSpPr>
+            <a:grpSpLocks/>
+          </p:cNvGrpSpPr>
+          <p:nvPr/>
+        </p:nvGrpSpPr>
+        <p:grpSpPr bwMode="auto">
+          <a:xfrm>
+            <a:off x="5498384" y="1563471"/>
+            <a:ext cx="1375105" cy="2083016"/>
+            <a:chOff x="2342" y="1603"/>
+            <a:chExt cx="789" cy="1584"/>
+          </a:xfrm>
+        </p:grpSpPr>
+        <p:sp>
+          <p:nvSpPr>
+            <p:cNvPr id="23" name="Rectangle 6">
+              <a:extLst>
+                <a:ext uri="{FF2B5EF4-FFF2-40B4-BE49-F238E27FC236}">
+                  <a16:creationId xmlns:a16="http://schemas.microsoft.com/office/drawing/2014/main" id="{9DE09AB8-03F2-4798-995E-B79FD4D9051F}"/>
+                </a:ext>
+              </a:extLst>
+            </p:cNvPr>
+            <p:cNvSpPr>
+              <a:spLocks noChangeArrowheads="1"/>
+            </p:cNvSpPr>
+            <p:nvPr/>
+          </p:nvSpPr>
+          <p:spPr bwMode="auto">
+            <a:xfrm>
+              <a:off x="2347" y="1603"/>
+              <a:ext cx="784" cy="1584"/>
+            </a:xfrm>
+            <a:prstGeom prst="rect">
+              <a:avLst/>
+            </a:prstGeom>
+            <a:noFill/>
+            <a:ln w="12700">
+              <a:solidFill>
+                <a:schemeClr val="tx1"/>
+              </a:solidFill>
+              <a:miter lim="800000"/>
+              <a:headEnd/>
+              <a:tailEnd/>
+            </a:ln>
+            <a:extLst>
+              <a:ext uri="{909E8E84-426E-40DD-AFC4-6F175D3DCCD1}">
+                <a14:hiddenFill xmlns:a14="http://schemas.microsoft.com/office/drawing/2010/main">
+                  <a:solidFill>
+                    <a:srgbClr val="FFFFFF"/>
+                  </a:solidFill>
+                </a14:hiddenFill>
+              </a:ext>
+            </a:extLst>
+          </p:spPr>
+          <p:txBody>
+            <a:bodyPr wrap="none" lIns="83391" tIns="40964" rIns="83391" bIns="40964">
+              <a:spAutoFit/>
+            </a:bodyPr>
+            <a:lstStyle>
+              <a:lvl1pPr>
+                <a:defRPr sz="2400">
+                  <a:solidFill>
+                    <a:schemeClr val="tx1"/>
+                  </a:solidFill>
+                  <a:latin typeface="Times New Roman" panose="02020603050405020304" pitchFamily="18" charset="0"/>
+                </a:defRPr>
+              </a:lvl1pPr>
+              <a:lvl2pPr marL="742950" indent="-285750">
+                <a:defRPr sz="2400">
+                  <a:solidFill>
+                    <a:schemeClr val="tx1"/>
+                  </a:solidFill>
+                  <a:latin typeface="Times New Roman" panose="02020603050405020304" pitchFamily="18" charset="0"/>
+                </a:defRPr>
+              </a:lvl2pPr>
+              <a:lvl3pPr marL="1143000" indent="-228600">
+                <a:defRPr sz="2400">
+                  <a:solidFill>
+                    <a:schemeClr val="tx1"/>
+                  </a:solidFill>
+                  <a:latin typeface="Times New Roman" panose="02020603050405020304" pitchFamily="18" charset="0"/>
+                </a:defRPr>
+              </a:lvl3pPr>
+              <a:lvl4pPr marL="1600200" indent="-228600">
+                <a:defRPr sz="2400">
+                  <a:solidFill>
+                    <a:schemeClr val="tx1"/>
+                  </a:solidFill>
+                  <a:latin typeface="Times New Roman" panose="02020603050405020304" pitchFamily="18" charset="0"/>
+                </a:defRPr>
+              </a:lvl4pPr>
+              <a:lvl5pPr marL="2057400" indent="-228600">
+                <a:defRPr sz="2400">
+                  <a:solidFill>
+                    <a:schemeClr val="tx1"/>
+                  </a:solidFill>
+                  <a:latin typeface="Times New Roman" panose="02020603050405020304" pitchFamily="18" charset="0"/>
+                </a:defRPr>
+              </a:lvl5pPr>
+              <a:lvl6pPr marL="2514600" indent="-228600" eaLnBrk="0" fontAlgn="base" hangingPunct="0">
+                <a:spcBef>
+                  <a:spcPct val="0"/>
+                </a:spcBef>
+                <a:spcAft>
+                  <a:spcPct val="0"/>
+                </a:spcAft>
+                <a:defRPr sz="2400">
+                  <a:solidFill>
+                    <a:schemeClr val="tx1"/>
+                  </a:solidFill>
+                  <a:latin typeface="Times New Roman" panose="02020603050405020304" pitchFamily="18" charset="0"/>
+                </a:defRPr>
+              </a:lvl6pPr>
+              <a:lvl7pPr marL="2971800" indent="-228600" eaLnBrk="0" fontAlgn="base" hangingPunct="0">
+                <a:spcBef>
+                  <a:spcPct val="0"/>
+                </a:spcBef>
+                <a:spcAft>
+                  <a:spcPct val="0"/>
+                </a:spcAft>
+                <a:defRPr sz="2400">
+                  <a:solidFill>
+                    <a:schemeClr val="tx1"/>
+                  </a:solidFill>
+                  <a:latin typeface="Times New Roman" panose="02020603050405020304" pitchFamily="18" charset="0"/>
+                </a:defRPr>
+              </a:lvl7pPr>
+              <a:lvl8pPr marL="3429000" indent="-228600" eaLnBrk="0" fontAlgn="base" hangingPunct="0">
+                <a:spcBef>
+                  <a:spcPct val="0"/>
+                </a:spcBef>
+                <a:spcAft>
+                  <a:spcPct val="0"/>
+                </a:spcAft>
+                <a:defRPr sz="2400">
+                  <a:solidFill>
+                    <a:schemeClr val="tx1"/>
+                  </a:solidFill>
+                  <a:latin typeface="Times New Roman" panose="02020603050405020304" pitchFamily="18" charset="0"/>
+                </a:defRPr>
+              </a:lvl8pPr>
+              <a:lvl9pPr marL="3886200" indent="-228600" eaLnBrk="0" fontAlgn="base" hangingPunct="0">
+                <a:spcBef>
+                  <a:spcPct val="0"/>
+                </a:spcBef>
+                <a:spcAft>
+                  <a:spcPct val="0"/>
+                </a:spcAft>
+                <a:defRPr sz="2400">
+                  <a:solidFill>
+                    <a:schemeClr val="tx1"/>
+                  </a:solidFill>
+                  <a:latin typeface="Times New Roman" panose="02020603050405020304" pitchFamily="18" charset="0"/>
+                </a:defRPr>
+              </a:lvl9pPr>
+            </a:lstStyle>
+            <a:p>
+              <a:pPr defTabSz="914225">
+                <a:spcAft>
+                  <a:spcPct val="50000"/>
+                </a:spcAft>
+              </a:pPr>
+              <a:r>
+                <a:rPr lang="en-US" altLang="en-US" sz="2000" b="1" dirty="0">
+                  <a:solidFill>
+                    <a:prstClr val="black"/>
+                  </a:solidFill>
+                  <a:latin typeface="Arial" panose="020B0604020202020204" pitchFamily="34" charset="0"/>
+                  <a:cs typeface="Arial" panose="020B0604020202020204" pitchFamily="34" charset="0"/>
+                </a:rPr>
+                <a:t>  Orders</a:t>
+              </a:r>
+              <a:endParaRPr lang="en-US" altLang="en-US" sz="2000" dirty="0">
+                <a:solidFill>
+                  <a:prstClr val="black"/>
+                </a:solidFill>
+                <a:latin typeface="Arial" panose="020B0604020202020204" pitchFamily="34" charset="0"/>
+                <a:cs typeface="Arial" panose="020B0604020202020204" pitchFamily="34" charset="0"/>
+              </a:endParaRPr>
+            </a:p>
+            <a:p>
+              <a:pPr defTabSz="914225"/>
+              <a:r>
+                <a:rPr lang="en-US" altLang="en-US" sz="2000" b="1" dirty="0">
+                  <a:solidFill>
+                    <a:prstClr val="black"/>
+                  </a:solidFill>
+                  <a:latin typeface="Arial" panose="020B0604020202020204" pitchFamily="34" charset="0"/>
+                  <a:cs typeface="Arial" panose="020B0604020202020204" pitchFamily="34" charset="0"/>
+                </a:rPr>
+                <a:t>OrderID</a:t>
+              </a:r>
+            </a:p>
+            <a:p>
+              <a:pPr defTabSz="914225"/>
+              <a:r>
+                <a:rPr lang="en-US" altLang="en-US" sz="2000" dirty="0">
+                  <a:solidFill>
+                    <a:prstClr val="black"/>
+                  </a:solidFill>
+                  <a:latin typeface="Arial" panose="020B0604020202020204" pitchFamily="34" charset="0"/>
+                  <a:cs typeface="Arial" panose="020B0604020202020204" pitchFamily="34" charset="0"/>
+                </a:rPr>
+                <a:t>CustID</a:t>
+              </a:r>
+            </a:p>
+            <a:p>
+              <a:pPr defTabSz="914225"/>
+              <a:r>
+                <a:rPr lang="en-US" altLang="en-US" sz="2000" dirty="0">
+                  <a:solidFill>
+                    <a:prstClr val="black"/>
+                  </a:solidFill>
+                  <a:latin typeface="Arial" panose="020B0604020202020204" pitchFamily="34" charset="0"/>
+                  <a:cs typeface="Arial" panose="020B0604020202020204" pitchFamily="34" charset="0"/>
+                </a:rPr>
+                <a:t>ProductID</a:t>
+              </a:r>
+            </a:p>
+            <a:p>
+              <a:pPr defTabSz="914225"/>
+              <a:r>
+                <a:rPr lang="en-US" altLang="en-US" sz="2000" dirty="0">
+                  <a:solidFill>
+                    <a:prstClr val="black"/>
+                  </a:solidFill>
+                  <a:latin typeface="Arial" panose="020B0604020202020204" pitchFamily="34" charset="0"/>
+                  <a:cs typeface="Arial" panose="020B0604020202020204" pitchFamily="34" charset="0"/>
+                </a:rPr>
+                <a:t>Qty</a:t>
+              </a:r>
+            </a:p>
+            <a:p>
+              <a:pPr defTabSz="914225"/>
+              <a:r>
+                <a:rPr lang="en-US" altLang="en-US" sz="2000" dirty="0">
+                  <a:solidFill>
+                    <a:prstClr val="black"/>
+                  </a:solidFill>
+                  <a:latin typeface="Arial" panose="020B0604020202020204" pitchFamily="34" charset="0"/>
+                  <a:cs typeface="Arial" panose="020B0604020202020204" pitchFamily="34" charset="0"/>
+                </a:rPr>
+                <a:t>OrderDate</a:t>
+              </a:r>
+            </a:p>
+          </p:txBody>
+        </p:sp>
+        <p:sp>
+          <p:nvSpPr>
+            <p:cNvPr id="24" name="Line 7">
+              <a:extLst>
+                <a:ext uri="{FF2B5EF4-FFF2-40B4-BE49-F238E27FC236}">
+                  <a16:creationId xmlns:a16="http://schemas.microsoft.com/office/drawing/2014/main" id="{CF038238-3197-43C8-95DB-461156A11676}"/>
+                </a:ext>
+              </a:extLst>
+            </p:cNvPr>
+            <p:cNvSpPr>
+              <a:spLocks noChangeShapeType="1"/>
+            </p:cNvSpPr>
+            <p:nvPr/>
+          </p:nvSpPr>
+          <p:spPr bwMode="auto">
+            <a:xfrm>
+              <a:off x="2342" y="1853"/>
+              <a:ext cx="788" cy="0"/>
+            </a:xfrm>
+            <a:prstGeom prst="line">
+              <a:avLst/>
+            </a:prstGeom>
+            <a:noFill/>
+            <a:ln w="12700">
+              <a:solidFill>
+                <a:schemeClr val="tx1"/>
+              </a:solidFill>
+              <a:round/>
+              <a:headEnd/>
+              <a:tailEnd/>
+            </a:ln>
+            <a:extLst>
+              <a:ext uri="{909E8E84-426E-40DD-AFC4-6F175D3DCCD1}">
+                <a14:hiddenFill xmlns:a14="http://schemas.microsoft.com/office/drawing/2010/main">
+                  <a:noFill/>
+                </a14:hiddenFill>
+              </a:ext>
+            </a:extLst>
+          </p:spPr>
+          <p:txBody>
+            <a:bodyPr/>
+            <a:lstStyle/>
+            <a:p>
+              <a:pPr defTabSz="914225"/>
+              <a:endParaRPr lang="en-US" sz="2000" dirty="0">
+                <a:solidFill>
+                  <a:prstClr val="black"/>
+                </a:solidFill>
+                <a:latin typeface="Arial" panose="020B0604020202020204" pitchFamily="34" charset="0"/>
+                <a:cs typeface="Arial" panose="020B0604020202020204" pitchFamily="34" charset="0"/>
+              </a:endParaRPr>
+            </a:p>
+          </p:txBody>
+        </p:sp>
+      </p:grpSp>
+      <p:cxnSp>
+        <p:nvCxnSpPr>
+          <p:cNvPr id="25" name="Elbow Connector 57343">
+            <a:extLst>
+              <a:ext uri="{FF2B5EF4-FFF2-40B4-BE49-F238E27FC236}">
+                <a16:creationId xmlns:a16="http://schemas.microsoft.com/office/drawing/2014/main" id="{E1DFCC66-E3CE-48A1-8334-2EEBF5AF10EC}"/>
+              </a:ext>
+            </a:extLst>
+          </p:cNvPr>
+          <p:cNvCxnSpPr>
+            <a:cxnSpLocks/>
+            <a:stCxn id="23" idx="1"/>
+          </p:cNvCxnSpPr>
+          <p:nvPr/>
+        </p:nvCxnSpPr>
+        <p:spPr>
+          <a:xfrm rot="10800000">
+            <a:off x="4002530" y="2033963"/>
+            <a:ext cx="1504569" cy="571016"/>
+          </a:xfrm>
+          <a:prstGeom prst="bentConnector3">
+            <a:avLst/>
+          </a:prstGeom>
+          <a:ln w="38100">
+            <a:solidFill>
+              <a:schemeClr val="tx1"/>
+            </a:solidFill>
+          </a:ln>
+        </p:spPr>
+        <p:style>
+          <a:lnRef idx="1">
+            <a:schemeClr val="accent1"/>
+          </a:lnRef>
+          <a:fillRef idx="0">
+            <a:schemeClr val="accent1"/>
+          </a:fillRef>
+          <a:effectRef idx="0">
+            <a:schemeClr val="accent1"/>
+          </a:effectRef>
+          <a:fontRef idx="minor">
+            <a:schemeClr val="tx1"/>
+          </a:fontRef>
+        </p:style>
+      </p:cxnSp>
+      <p:sp>
+        <p:nvSpPr>
+          <p:cNvPr id="26" name="TextBox 25">
+            <a:extLst>
+              <a:ext uri="{FF2B5EF4-FFF2-40B4-BE49-F238E27FC236}">
+                <a16:creationId xmlns:a16="http://schemas.microsoft.com/office/drawing/2014/main" id="{F1BBAA88-9358-4438-8408-1DB64E6714F5}"/>
+              </a:ext>
+            </a:extLst>
+          </p:cNvPr>
+          <p:cNvSpPr txBox="1"/>
+          <p:nvPr/>
+        </p:nvSpPr>
+        <p:spPr>
+          <a:xfrm>
+            <a:off x="530968" y="4250748"/>
+            <a:ext cx="11308193" cy="1243417"/>
+          </a:xfrm>
+          <a:prstGeom prst="rect">
+            <a:avLst/>
+          </a:prstGeom>
+          <a:noFill/>
+        </p:spPr>
+        <p:txBody>
+          <a:bodyPr wrap="square" rtlCol="0">
+            <a:spAutoFit/>
+          </a:bodyPr>
+          <a:lstStyle/>
+          <a:p>
+            <a:pPr marL="336145" indent="-336145">
+              <a:lnSpc>
+                <a:spcPct val="90000"/>
+              </a:lnSpc>
+              <a:spcBef>
+                <a:spcPts val="588"/>
+              </a:spcBef>
+              <a:buSzPct val="90000"/>
+              <a:buFont typeface="Arial" pitchFamily="34" charset="0"/>
+              <a:buChar char="•"/>
+            </a:pPr>
+            <a:r>
+              <a:rPr lang="en-US" sz="2400" dirty="0">
+                <a:solidFill>
+                  <a:srgbClr val="000000"/>
+                </a:solidFill>
+              </a:rPr>
+              <a:t>Primary Key within a </a:t>
+            </a:r>
+            <a:r>
+              <a:rPr lang="en-US" sz="2400" b="1" dirty="0">
+                <a:solidFill>
+                  <a:srgbClr val="000000"/>
+                </a:solidFill>
+              </a:rPr>
+              <a:t>table</a:t>
+            </a:r>
+            <a:r>
+              <a:rPr lang="en-US" sz="2400" dirty="0">
+                <a:solidFill>
+                  <a:srgbClr val="000000"/>
+                </a:solidFill>
+              </a:rPr>
+              <a:t> is the unique identifier</a:t>
+            </a:r>
+          </a:p>
+          <a:p>
+            <a:pPr marL="336145" indent="-336145">
+              <a:lnSpc>
+                <a:spcPct val="90000"/>
+              </a:lnSpc>
+              <a:spcBef>
+                <a:spcPts val="588"/>
+              </a:spcBef>
+              <a:buSzPct val="90000"/>
+              <a:buFont typeface="Arial" pitchFamily="34" charset="0"/>
+              <a:buChar char="•"/>
+            </a:pPr>
+            <a:r>
+              <a:rPr lang="en-US" sz="2400" dirty="0">
+                <a:solidFill>
+                  <a:prstClr val="black"/>
+                </a:solidFill>
+              </a:rPr>
+              <a:t>Primary Key within a </a:t>
+            </a:r>
+            <a:r>
+              <a:rPr lang="en-US" sz="2400" b="1" dirty="0">
+                <a:solidFill>
+                  <a:prstClr val="black"/>
+                </a:solidFill>
+              </a:rPr>
+              <a:t>relationship</a:t>
+            </a:r>
+            <a:r>
+              <a:rPr lang="en-US" sz="2400" dirty="0">
+                <a:solidFill>
+                  <a:prstClr val="black"/>
+                </a:solidFill>
+              </a:rPr>
+              <a:t> is the best describer of the connecting field</a:t>
+            </a:r>
+          </a:p>
+          <a:p>
+            <a:pPr marL="336145" indent="-336145">
+              <a:lnSpc>
+                <a:spcPct val="90000"/>
+              </a:lnSpc>
+              <a:spcBef>
+                <a:spcPts val="588"/>
+              </a:spcBef>
+              <a:buSzPct val="90000"/>
+              <a:buFont typeface="Arial" pitchFamily="34" charset="0"/>
+              <a:buChar char="•"/>
+            </a:pPr>
+            <a:r>
+              <a:rPr lang="en-US" sz="2400" dirty="0">
+                <a:solidFill>
+                  <a:prstClr val="black"/>
+                </a:solidFill>
+              </a:rPr>
+              <a:t>Foreign Key within a relationship connects a Child table to a Parent Table</a:t>
+            </a:r>
+            <a:endParaRPr lang="en-US" sz="2400" dirty="0">
+              <a:solidFill>
+                <a:srgbClr val="000000"/>
+              </a:solidFill>
+              <a:latin typeface="+mj-lt"/>
+            </a:endParaRPr>
+          </a:p>
+        </p:txBody>
+      </p:sp>
+      <p:grpSp>
+        <p:nvGrpSpPr>
+          <p:cNvPr id="27" name="Group 8">
+            <a:extLst>
+              <a:ext uri="{FF2B5EF4-FFF2-40B4-BE49-F238E27FC236}">
+                <a16:creationId xmlns:a16="http://schemas.microsoft.com/office/drawing/2014/main" id="{0C82BA05-51E5-4E2B-BAB5-D2B50BD416FB}"/>
+              </a:ext>
+            </a:extLst>
+          </p:cNvPr>
+          <p:cNvGrpSpPr>
+            <a:grpSpLocks/>
+          </p:cNvGrpSpPr>
+          <p:nvPr/>
+        </p:nvGrpSpPr>
+        <p:grpSpPr bwMode="auto">
+          <a:xfrm>
+            <a:off x="2371217" y="1429702"/>
+            <a:ext cx="2033904" cy="2083017"/>
+            <a:chOff x="2342" y="1603"/>
+            <a:chExt cx="1167" cy="1584"/>
+          </a:xfrm>
+        </p:grpSpPr>
+        <p:sp>
+          <p:nvSpPr>
+            <p:cNvPr id="28" name="Rectangle 6">
+              <a:extLst>
+                <a:ext uri="{FF2B5EF4-FFF2-40B4-BE49-F238E27FC236}">
+                  <a16:creationId xmlns:a16="http://schemas.microsoft.com/office/drawing/2014/main" id="{6FA25DB1-6163-4FB1-BC74-BE08732BC42C}"/>
+                </a:ext>
+              </a:extLst>
+            </p:cNvPr>
+            <p:cNvSpPr>
+              <a:spLocks noChangeArrowheads="1"/>
+            </p:cNvSpPr>
+            <p:nvPr/>
+          </p:nvSpPr>
+          <p:spPr bwMode="auto">
+            <a:xfrm>
+              <a:off x="2347" y="1603"/>
+              <a:ext cx="1162" cy="1584"/>
+            </a:xfrm>
+            <a:prstGeom prst="rect">
+              <a:avLst/>
+            </a:prstGeom>
+            <a:noFill/>
+            <a:ln w="12700">
+              <a:solidFill>
+                <a:schemeClr val="tx1"/>
+              </a:solidFill>
+              <a:miter lim="800000"/>
+              <a:headEnd/>
+              <a:tailEnd/>
+            </a:ln>
+            <a:extLst>
+              <a:ext uri="{909E8E84-426E-40DD-AFC4-6F175D3DCCD1}">
+                <a14:hiddenFill xmlns:a14="http://schemas.microsoft.com/office/drawing/2010/main">
+                  <a:solidFill>
+                    <a:srgbClr val="FFFFFF"/>
+                  </a:solidFill>
+                </a14:hiddenFill>
+              </a:ext>
+            </a:extLst>
+          </p:spPr>
+          <p:txBody>
+            <a:bodyPr wrap="none" lIns="83391" tIns="40964" rIns="83391" bIns="40964">
+              <a:spAutoFit/>
+            </a:bodyPr>
+            <a:lstStyle>
+              <a:lvl1pPr>
+                <a:defRPr sz="2400">
+                  <a:solidFill>
+                    <a:schemeClr val="tx1"/>
+                  </a:solidFill>
+                  <a:latin typeface="Times New Roman" panose="02020603050405020304" pitchFamily="18" charset="0"/>
+                </a:defRPr>
+              </a:lvl1pPr>
+              <a:lvl2pPr marL="742950" indent="-285750">
+                <a:defRPr sz="2400">
+                  <a:solidFill>
+                    <a:schemeClr val="tx1"/>
+                  </a:solidFill>
+                  <a:latin typeface="Times New Roman" panose="02020603050405020304" pitchFamily="18" charset="0"/>
+                </a:defRPr>
+              </a:lvl2pPr>
+              <a:lvl3pPr marL="1143000" indent="-228600">
+                <a:defRPr sz="2400">
+                  <a:solidFill>
+                    <a:schemeClr val="tx1"/>
+                  </a:solidFill>
+                  <a:latin typeface="Times New Roman" panose="02020603050405020304" pitchFamily="18" charset="0"/>
+                </a:defRPr>
+              </a:lvl3pPr>
+              <a:lvl4pPr marL="1600200" indent="-228600">
+                <a:defRPr sz="2400">
+                  <a:solidFill>
+                    <a:schemeClr val="tx1"/>
+                  </a:solidFill>
+                  <a:latin typeface="Times New Roman" panose="02020603050405020304" pitchFamily="18" charset="0"/>
+                </a:defRPr>
+              </a:lvl4pPr>
+              <a:lvl5pPr marL="2057400" indent="-228600">
+                <a:defRPr sz="2400">
+                  <a:solidFill>
+                    <a:schemeClr val="tx1"/>
+                  </a:solidFill>
+                  <a:latin typeface="Times New Roman" panose="02020603050405020304" pitchFamily="18" charset="0"/>
+                </a:defRPr>
+              </a:lvl5pPr>
+              <a:lvl6pPr marL="2514600" indent="-228600" eaLnBrk="0" fontAlgn="base" hangingPunct="0">
+                <a:spcBef>
+                  <a:spcPct val="0"/>
+                </a:spcBef>
+                <a:spcAft>
+                  <a:spcPct val="0"/>
+                </a:spcAft>
+                <a:defRPr sz="2400">
+                  <a:solidFill>
+                    <a:schemeClr val="tx1"/>
+                  </a:solidFill>
+                  <a:latin typeface="Times New Roman" panose="02020603050405020304" pitchFamily="18" charset="0"/>
+                </a:defRPr>
+              </a:lvl6pPr>
+              <a:lvl7pPr marL="2971800" indent="-228600" eaLnBrk="0" fontAlgn="base" hangingPunct="0">
+                <a:spcBef>
+                  <a:spcPct val="0"/>
+                </a:spcBef>
+                <a:spcAft>
+                  <a:spcPct val="0"/>
+                </a:spcAft>
+                <a:defRPr sz="2400">
+                  <a:solidFill>
+                    <a:schemeClr val="tx1"/>
+                  </a:solidFill>
+                  <a:latin typeface="Times New Roman" panose="02020603050405020304" pitchFamily="18" charset="0"/>
+                </a:defRPr>
+              </a:lvl7pPr>
+              <a:lvl8pPr marL="3429000" indent="-228600" eaLnBrk="0" fontAlgn="base" hangingPunct="0">
+                <a:spcBef>
+                  <a:spcPct val="0"/>
+                </a:spcBef>
+                <a:spcAft>
+                  <a:spcPct val="0"/>
+                </a:spcAft>
+                <a:defRPr sz="2400">
+                  <a:solidFill>
+                    <a:schemeClr val="tx1"/>
+                  </a:solidFill>
+                  <a:latin typeface="Times New Roman" panose="02020603050405020304" pitchFamily="18" charset="0"/>
+                </a:defRPr>
+              </a:lvl8pPr>
+              <a:lvl9pPr marL="3886200" indent="-228600" eaLnBrk="0" fontAlgn="base" hangingPunct="0">
+                <a:spcBef>
+                  <a:spcPct val="0"/>
+                </a:spcBef>
+                <a:spcAft>
+                  <a:spcPct val="0"/>
+                </a:spcAft>
+                <a:defRPr sz="2400">
+                  <a:solidFill>
+                    <a:schemeClr val="tx1"/>
+                  </a:solidFill>
+                  <a:latin typeface="Times New Roman" panose="02020603050405020304" pitchFamily="18" charset="0"/>
+                </a:defRPr>
+              </a:lvl9pPr>
+            </a:lstStyle>
+            <a:p>
+              <a:pPr defTabSz="914225">
+                <a:spcAft>
+                  <a:spcPct val="50000"/>
+                </a:spcAft>
+              </a:pPr>
+              <a:r>
+                <a:rPr lang="en-US" altLang="en-US" sz="2000" b="1" dirty="0">
+                  <a:solidFill>
+                    <a:prstClr val="black"/>
+                  </a:solidFill>
+                  <a:latin typeface="Arial" panose="020B0604020202020204" pitchFamily="34" charset="0"/>
+                  <a:cs typeface="Arial" panose="020B0604020202020204" pitchFamily="34" charset="0"/>
+                </a:rPr>
+                <a:t>   Customers</a:t>
+              </a:r>
+              <a:endParaRPr lang="en-US" altLang="en-US" sz="2000" dirty="0">
+                <a:solidFill>
+                  <a:prstClr val="black"/>
+                </a:solidFill>
+                <a:latin typeface="Arial" panose="020B0604020202020204" pitchFamily="34" charset="0"/>
+                <a:cs typeface="Arial" panose="020B0604020202020204" pitchFamily="34" charset="0"/>
+              </a:endParaRPr>
+            </a:p>
+            <a:p>
+              <a:pPr defTabSz="914225"/>
+              <a:r>
+                <a:rPr lang="en-US" altLang="en-US" sz="2000" b="1" dirty="0">
+                  <a:solidFill>
+                    <a:prstClr val="black"/>
+                  </a:solidFill>
+                  <a:latin typeface="Arial" panose="020B0604020202020204" pitchFamily="34" charset="0"/>
+                  <a:cs typeface="Arial" panose="020B0604020202020204" pitchFamily="34" charset="0"/>
+                </a:rPr>
+                <a:t>CustomerID</a:t>
+              </a:r>
+            </a:p>
+            <a:p>
+              <a:pPr defTabSz="914225"/>
+              <a:r>
+                <a:rPr lang="en-US" altLang="en-US" sz="2000" dirty="0">
+                  <a:solidFill>
+                    <a:prstClr val="black"/>
+                  </a:solidFill>
+                  <a:latin typeface="Arial" panose="020B0604020202020204" pitchFamily="34" charset="0"/>
+                  <a:cs typeface="Arial" panose="020B0604020202020204" pitchFamily="34" charset="0"/>
+                </a:rPr>
+                <a:t>FirstName</a:t>
+              </a:r>
+            </a:p>
+            <a:p>
+              <a:pPr defTabSz="914225"/>
+              <a:r>
+                <a:rPr lang="en-US" altLang="en-US" sz="2000" dirty="0">
+                  <a:solidFill>
+                    <a:prstClr val="black"/>
+                  </a:solidFill>
+                  <a:latin typeface="Arial" panose="020B0604020202020204" pitchFamily="34" charset="0"/>
+                  <a:cs typeface="Arial" panose="020B0604020202020204" pitchFamily="34" charset="0"/>
+                </a:rPr>
+                <a:t>LastName</a:t>
+              </a:r>
+            </a:p>
+            <a:p>
+              <a:pPr defTabSz="914225"/>
+              <a:r>
+                <a:rPr lang="en-US" altLang="en-US" sz="2000" dirty="0">
+                  <a:solidFill>
+                    <a:prstClr val="black"/>
+                  </a:solidFill>
+                  <a:latin typeface="Arial" panose="020B0604020202020204" pitchFamily="34" charset="0"/>
+                  <a:cs typeface="Arial" panose="020B0604020202020204" pitchFamily="34" charset="0"/>
+                </a:rPr>
+                <a:t>Company Name</a:t>
+              </a:r>
+            </a:p>
+            <a:p>
+              <a:pPr defTabSz="914225"/>
+              <a:r>
+                <a:rPr lang="en-US" altLang="en-US" sz="2000" dirty="0">
+                  <a:solidFill>
+                    <a:prstClr val="black"/>
+                  </a:solidFill>
+                  <a:latin typeface="Arial" panose="020B0604020202020204" pitchFamily="34" charset="0"/>
+                  <a:cs typeface="Arial" panose="020B0604020202020204" pitchFamily="34" charset="0"/>
+                </a:rPr>
+                <a:t>Phone</a:t>
+              </a:r>
+            </a:p>
+          </p:txBody>
+        </p:sp>
+        <p:sp>
+          <p:nvSpPr>
+            <p:cNvPr id="29" name="Line 7">
+              <a:extLst>
+                <a:ext uri="{FF2B5EF4-FFF2-40B4-BE49-F238E27FC236}">
+                  <a16:creationId xmlns:a16="http://schemas.microsoft.com/office/drawing/2014/main" id="{52BF6E14-517A-4AB1-8474-0E6F4814DD6E}"/>
+                </a:ext>
+              </a:extLst>
+            </p:cNvPr>
+            <p:cNvSpPr>
+              <a:spLocks noChangeShapeType="1"/>
+            </p:cNvSpPr>
+            <p:nvPr/>
+          </p:nvSpPr>
+          <p:spPr bwMode="auto">
+            <a:xfrm>
+              <a:off x="2342" y="1853"/>
+              <a:ext cx="1162" cy="0"/>
+            </a:xfrm>
+            <a:prstGeom prst="line">
+              <a:avLst/>
+            </a:prstGeom>
+            <a:noFill/>
+            <a:ln w="12700">
+              <a:solidFill>
+                <a:schemeClr val="tx1"/>
+              </a:solidFill>
+              <a:round/>
+              <a:headEnd/>
+              <a:tailEnd/>
+            </a:ln>
+            <a:extLst>
+              <a:ext uri="{909E8E84-426E-40DD-AFC4-6F175D3DCCD1}">
+                <a14:hiddenFill xmlns:a14="http://schemas.microsoft.com/office/drawing/2010/main">
+                  <a:noFill/>
+                </a14:hiddenFill>
+              </a:ext>
+            </a:extLst>
+          </p:spPr>
+          <p:txBody>
+            <a:bodyPr/>
+            <a:lstStyle/>
+            <a:p>
+              <a:pPr defTabSz="914225"/>
+              <a:endParaRPr lang="en-US" sz="2000" dirty="0">
+                <a:solidFill>
+                  <a:prstClr val="black"/>
+                </a:solidFill>
+                <a:latin typeface="Arial" panose="020B0604020202020204" pitchFamily="34" charset="0"/>
+                <a:cs typeface="Arial" panose="020B0604020202020204" pitchFamily="34" charset="0"/>
+              </a:endParaRPr>
+            </a:p>
+          </p:txBody>
+        </p:sp>
+      </p:grpSp>
+      <p:grpSp>
+        <p:nvGrpSpPr>
+          <p:cNvPr id="31" name="Group 8">
+            <a:extLst>
+              <a:ext uri="{FF2B5EF4-FFF2-40B4-BE49-F238E27FC236}">
+                <a16:creationId xmlns:a16="http://schemas.microsoft.com/office/drawing/2014/main" id="{E08394B7-6CA7-46CE-A035-0F56398238BE}"/>
+              </a:ext>
+            </a:extLst>
+          </p:cNvPr>
+          <p:cNvGrpSpPr>
+            <a:grpSpLocks/>
+          </p:cNvGrpSpPr>
+          <p:nvPr/>
+        </p:nvGrpSpPr>
+        <p:grpSpPr bwMode="auto">
+          <a:xfrm>
+            <a:off x="7958038" y="1505712"/>
+            <a:ext cx="1777703" cy="1495588"/>
+            <a:chOff x="2342" y="1603"/>
+            <a:chExt cx="1020" cy="1289"/>
+          </a:xfrm>
+        </p:grpSpPr>
+        <p:sp>
+          <p:nvSpPr>
+            <p:cNvPr id="32" name="Rectangle 6">
+              <a:extLst>
+                <a:ext uri="{FF2B5EF4-FFF2-40B4-BE49-F238E27FC236}">
+                  <a16:creationId xmlns:a16="http://schemas.microsoft.com/office/drawing/2014/main" id="{17F70B29-C31F-465E-A614-27A2A37428FD}"/>
+                </a:ext>
+              </a:extLst>
+            </p:cNvPr>
+            <p:cNvSpPr>
+              <a:spLocks noChangeArrowheads="1"/>
+            </p:cNvSpPr>
+            <p:nvPr/>
+          </p:nvSpPr>
+          <p:spPr bwMode="auto">
+            <a:xfrm>
+              <a:off x="2347" y="1603"/>
+              <a:ext cx="1015" cy="1289"/>
+            </a:xfrm>
+            <a:prstGeom prst="rect">
+              <a:avLst/>
+            </a:prstGeom>
+            <a:noFill/>
+            <a:ln w="12700">
+              <a:solidFill>
+                <a:schemeClr val="tx1"/>
+              </a:solidFill>
+              <a:miter lim="800000"/>
+              <a:headEnd/>
+              <a:tailEnd/>
+            </a:ln>
+            <a:extLst>
+              <a:ext uri="{909E8E84-426E-40DD-AFC4-6F175D3DCCD1}">
+                <a14:hiddenFill xmlns:a14="http://schemas.microsoft.com/office/drawing/2010/main">
+                  <a:solidFill>
+                    <a:srgbClr val="FFFFFF"/>
+                  </a:solidFill>
+                </a14:hiddenFill>
+              </a:ext>
+            </a:extLst>
+          </p:spPr>
+          <p:txBody>
+            <a:bodyPr wrap="none" lIns="83391" tIns="40964" rIns="83391" bIns="40964">
+              <a:spAutoFit/>
+            </a:bodyPr>
+            <a:lstStyle>
+              <a:lvl1pPr>
+                <a:defRPr sz="2400">
+                  <a:solidFill>
+                    <a:schemeClr val="tx1"/>
+                  </a:solidFill>
+                  <a:latin typeface="Times New Roman" panose="02020603050405020304" pitchFamily="18" charset="0"/>
+                </a:defRPr>
+              </a:lvl1pPr>
+              <a:lvl2pPr marL="742950" indent="-285750">
+                <a:defRPr sz="2400">
+                  <a:solidFill>
+                    <a:schemeClr val="tx1"/>
+                  </a:solidFill>
+                  <a:latin typeface="Times New Roman" panose="02020603050405020304" pitchFamily="18" charset="0"/>
+                </a:defRPr>
+              </a:lvl2pPr>
+              <a:lvl3pPr marL="1143000" indent="-228600">
+                <a:defRPr sz="2400">
+                  <a:solidFill>
+                    <a:schemeClr val="tx1"/>
+                  </a:solidFill>
+                  <a:latin typeface="Times New Roman" panose="02020603050405020304" pitchFamily="18" charset="0"/>
+                </a:defRPr>
+              </a:lvl3pPr>
+              <a:lvl4pPr marL="1600200" indent="-228600">
+                <a:defRPr sz="2400">
+                  <a:solidFill>
+                    <a:schemeClr val="tx1"/>
+                  </a:solidFill>
+                  <a:latin typeface="Times New Roman" panose="02020603050405020304" pitchFamily="18" charset="0"/>
+                </a:defRPr>
+              </a:lvl4pPr>
+              <a:lvl5pPr marL="2057400" indent="-228600">
+                <a:defRPr sz="2400">
+                  <a:solidFill>
+                    <a:schemeClr val="tx1"/>
+                  </a:solidFill>
+                  <a:latin typeface="Times New Roman" panose="02020603050405020304" pitchFamily="18" charset="0"/>
+                </a:defRPr>
+              </a:lvl5pPr>
+              <a:lvl6pPr marL="2514600" indent="-228600" eaLnBrk="0" fontAlgn="base" hangingPunct="0">
+                <a:spcBef>
+                  <a:spcPct val="0"/>
+                </a:spcBef>
+                <a:spcAft>
+                  <a:spcPct val="0"/>
+                </a:spcAft>
+                <a:defRPr sz="2400">
+                  <a:solidFill>
+                    <a:schemeClr val="tx1"/>
+                  </a:solidFill>
+                  <a:latin typeface="Times New Roman" panose="02020603050405020304" pitchFamily="18" charset="0"/>
+                </a:defRPr>
+              </a:lvl6pPr>
+              <a:lvl7pPr marL="2971800" indent="-228600" eaLnBrk="0" fontAlgn="base" hangingPunct="0">
+                <a:spcBef>
+                  <a:spcPct val="0"/>
+                </a:spcBef>
+                <a:spcAft>
+                  <a:spcPct val="0"/>
+                </a:spcAft>
+                <a:defRPr sz="2400">
+                  <a:solidFill>
+                    <a:schemeClr val="tx1"/>
+                  </a:solidFill>
+                  <a:latin typeface="Times New Roman" panose="02020603050405020304" pitchFamily="18" charset="0"/>
+                </a:defRPr>
+              </a:lvl7pPr>
+              <a:lvl8pPr marL="3429000" indent="-228600" eaLnBrk="0" fontAlgn="base" hangingPunct="0">
+                <a:spcBef>
+                  <a:spcPct val="0"/>
+                </a:spcBef>
+                <a:spcAft>
+                  <a:spcPct val="0"/>
+                </a:spcAft>
+                <a:defRPr sz="2400">
+                  <a:solidFill>
+                    <a:schemeClr val="tx1"/>
+                  </a:solidFill>
+                  <a:latin typeface="Times New Roman" panose="02020603050405020304" pitchFamily="18" charset="0"/>
+                </a:defRPr>
+              </a:lvl8pPr>
+              <a:lvl9pPr marL="3886200" indent="-228600" eaLnBrk="0" fontAlgn="base" hangingPunct="0">
+                <a:spcBef>
+                  <a:spcPct val="0"/>
+                </a:spcBef>
+                <a:spcAft>
+                  <a:spcPct val="0"/>
+                </a:spcAft>
+                <a:defRPr sz="2400">
+                  <a:solidFill>
+                    <a:schemeClr val="tx1"/>
+                  </a:solidFill>
+                  <a:latin typeface="Times New Roman" panose="02020603050405020304" pitchFamily="18" charset="0"/>
+                </a:defRPr>
+              </a:lvl9pPr>
+            </a:lstStyle>
+            <a:p>
+              <a:pPr defTabSz="914225">
+                <a:spcAft>
+                  <a:spcPct val="50000"/>
+                </a:spcAft>
+              </a:pPr>
+              <a:r>
+                <a:rPr lang="en-US" altLang="en-US" sz="2000" b="1" dirty="0">
+                  <a:solidFill>
+                    <a:prstClr val="black"/>
+                  </a:solidFill>
+                  <a:latin typeface="Arial" panose="020B0604020202020204" pitchFamily="34" charset="0"/>
+                  <a:cs typeface="Arial" panose="020B0604020202020204" pitchFamily="34" charset="0"/>
+                </a:rPr>
+                <a:t>   Products</a:t>
+              </a:r>
+              <a:endParaRPr lang="en-US" altLang="en-US" sz="2000" dirty="0">
+                <a:solidFill>
+                  <a:prstClr val="black"/>
+                </a:solidFill>
+                <a:latin typeface="Arial" panose="020B0604020202020204" pitchFamily="34" charset="0"/>
+                <a:cs typeface="Arial" panose="020B0604020202020204" pitchFamily="34" charset="0"/>
+              </a:endParaRPr>
+            </a:p>
+            <a:p>
+              <a:pPr defTabSz="914225"/>
+              <a:r>
+                <a:rPr lang="en-US" altLang="en-US" sz="2000" b="1" dirty="0">
+                  <a:solidFill>
+                    <a:prstClr val="black"/>
+                  </a:solidFill>
+                  <a:latin typeface="Arial" panose="020B0604020202020204" pitchFamily="34" charset="0"/>
+                  <a:cs typeface="Arial" panose="020B0604020202020204" pitchFamily="34" charset="0"/>
+                </a:rPr>
+                <a:t>ProductID</a:t>
+              </a:r>
+            </a:p>
+            <a:p>
+              <a:pPr defTabSz="914225"/>
+              <a:r>
+                <a:rPr lang="en-US" altLang="en-US" sz="2000" dirty="0">
+                  <a:solidFill>
+                    <a:prstClr val="black"/>
+                  </a:solidFill>
+                  <a:latin typeface="Arial" panose="020B0604020202020204" pitchFamily="34" charset="0"/>
+                  <a:cs typeface="Arial" panose="020B0604020202020204" pitchFamily="34" charset="0"/>
+                </a:rPr>
+                <a:t>ProductName</a:t>
+              </a:r>
+            </a:p>
+            <a:p>
+              <a:pPr defTabSz="914225"/>
+              <a:r>
+                <a:rPr lang="en-US" altLang="en-US" sz="2000" dirty="0">
+                  <a:solidFill>
+                    <a:prstClr val="black"/>
+                  </a:solidFill>
+                  <a:latin typeface="Arial" panose="020B0604020202020204" pitchFamily="34" charset="0"/>
+                  <a:cs typeface="Arial" panose="020B0604020202020204" pitchFamily="34" charset="0"/>
+                </a:rPr>
+                <a:t>Price</a:t>
+              </a:r>
+            </a:p>
+          </p:txBody>
+        </p:sp>
+        <p:sp>
+          <p:nvSpPr>
+            <p:cNvPr id="33" name="Line 7">
+              <a:extLst>
+                <a:ext uri="{FF2B5EF4-FFF2-40B4-BE49-F238E27FC236}">
+                  <a16:creationId xmlns:a16="http://schemas.microsoft.com/office/drawing/2014/main" id="{AA505026-30B6-4E18-A033-F00B4D1E7DE3}"/>
+                </a:ext>
+              </a:extLst>
+            </p:cNvPr>
+            <p:cNvSpPr>
+              <a:spLocks noChangeShapeType="1"/>
+            </p:cNvSpPr>
+            <p:nvPr/>
+          </p:nvSpPr>
+          <p:spPr bwMode="auto">
+            <a:xfrm>
+              <a:off x="2342" y="1889"/>
+              <a:ext cx="1001" cy="0"/>
+            </a:xfrm>
+            <a:prstGeom prst="line">
+              <a:avLst/>
+            </a:prstGeom>
+            <a:noFill/>
+            <a:ln w="12700">
+              <a:solidFill>
+                <a:schemeClr val="tx1"/>
+              </a:solidFill>
+              <a:round/>
+              <a:headEnd/>
+              <a:tailEnd/>
+            </a:ln>
+            <a:extLst>
+              <a:ext uri="{909E8E84-426E-40DD-AFC4-6F175D3DCCD1}">
+                <a14:hiddenFill xmlns:a14="http://schemas.microsoft.com/office/drawing/2010/main">
+                  <a:noFill/>
+                </a14:hiddenFill>
+              </a:ext>
+            </a:extLst>
+          </p:spPr>
+          <p:txBody>
+            <a:bodyPr/>
+            <a:lstStyle/>
+            <a:p>
+              <a:pPr defTabSz="914225"/>
+              <a:endParaRPr lang="en-US" sz="2000" dirty="0">
+                <a:solidFill>
+                  <a:prstClr val="black"/>
+                </a:solidFill>
+                <a:latin typeface="Arial" panose="020B0604020202020204" pitchFamily="34" charset="0"/>
+                <a:cs typeface="Arial" panose="020B0604020202020204" pitchFamily="34" charset="0"/>
+              </a:endParaRPr>
+            </a:p>
+          </p:txBody>
+        </p:sp>
+      </p:grpSp>
+      <p:cxnSp>
+        <p:nvCxnSpPr>
+          <p:cNvPr id="34" name="Elbow Connector 57343">
+            <a:extLst>
+              <a:ext uri="{FF2B5EF4-FFF2-40B4-BE49-F238E27FC236}">
+                <a16:creationId xmlns:a16="http://schemas.microsoft.com/office/drawing/2014/main" id="{17EC4220-73CB-4457-A52F-4B258C07CF4F}"/>
+              </a:ext>
+            </a:extLst>
+          </p:cNvPr>
+          <p:cNvCxnSpPr>
+            <a:cxnSpLocks/>
+          </p:cNvCxnSpPr>
+          <p:nvPr/>
+        </p:nvCxnSpPr>
+        <p:spPr>
+          <a:xfrm rot="10800000" flipV="1">
+            <a:off x="6762805" y="2137581"/>
+            <a:ext cx="1195235" cy="714329"/>
+          </a:xfrm>
+          <a:prstGeom prst="bentConnector3">
+            <a:avLst/>
+          </a:prstGeom>
+          <a:ln w="38100">
+            <a:solidFill>
+              <a:schemeClr val="tx1"/>
+            </a:solidFill>
+          </a:ln>
+        </p:spPr>
+        <p:style>
+          <a:lnRef idx="1">
+            <a:schemeClr val="accent1"/>
+          </a:lnRef>
+          <a:fillRef idx="0">
+            <a:schemeClr val="accent1"/>
+          </a:fillRef>
+          <a:effectRef idx="0">
+            <a:schemeClr val="accent1"/>
+          </a:effectRef>
+          <a:fontRef idx="minor">
+            <a:schemeClr val="tx1"/>
+          </a:fontRef>
+        </p:style>
+      </p:cxnSp>
+    </p:spTree>
+    <p:extLst>
+      <p:ext uri="{BB962C8B-B14F-4D97-AF65-F5344CB8AC3E}">
+        <p14:creationId xmlns:p14="http://schemas.microsoft.com/office/powerpoint/2010/main" val="2342956962"/>
+      </p:ext>
+    </p:extLst>
+  </p:cSld>
+  <p:clrMapOvr>
+    <a:masterClrMapping/>
+  </p:clrMapOvr>
+  <mc:AlternateContent xmlns:mc="http://schemas.openxmlformats.org/markup-compatibility/2006" xmlns:p14="http://schemas.microsoft.com/office/powerpoint/2010/main">
+    <mc:Choice Requires="p14">
+      <p:transition p14:dur="0"/>
+    </mc:Choice>
+    <mc:Fallback xmlns="">
+      <p:transition/>
+    </mc:Fallback>
+  </mc:AlternateContent>
+  <p:timing>
+    <p:tnLst>
+      <p:par>
+        <p:cTn id="1" dur="indefinite" restart="never" nodeType="tmRoot">
+          <p:childTnLst>
+            <p:seq concurrent="1" nextAc="seek">
+              <p:cTn id="2" dur="indefinite" nodeType="mainSeq">
+                <p:childTnLst>
+                  <p:par>
+                    <p:cTn id="3" fill="hold">
+                      <p:stCondLst>
+                        <p:cond delay="indefinite"/>
+                      </p:stCondLst>
+                      <p:childTnLst>
+                        <p:par>
+                          <p:cTn id="4" fill="hold">
+                            <p:stCondLst>
+                              <p:cond delay="0"/>
+                            </p:stCondLst>
+                            <p:childTnLst>
+                              <p:par>
+                                <p:cTn id="5" presetID="1" presetClass="entr" presetSubtype="0" fill="hold" nodeType="clickEffect">
+                                  <p:stCondLst>
+                                    <p:cond delay="0"/>
+                                  </p:stCondLst>
+                                  <p:childTnLst>
+                                    <p:set>
+                                      <p:cBhvr>
+                                        <p:cTn id="6" dur="1" fill="hold">
+                                          <p:stCondLst>
+                                            <p:cond delay="0"/>
+                                          </p:stCondLst>
+                                        </p:cTn>
+                                        <p:tgtEl>
+                                          <p:spTgt spid="25"/>
+                                        </p:tgtEl>
+                                        <p:attrNameLst>
+                                          <p:attrName>style.visibility</p:attrName>
+                                        </p:attrNameLst>
+                                      </p:cBhvr>
+                                      <p:to>
+                                        <p:strVal val="visible"/>
+                                      </p:to>
+                                    </p:set>
+                                  </p:childTnLst>
+                                </p:cTn>
+                              </p:par>
+                            </p:childTnLst>
+                          </p:cTn>
+                        </p:par>
+                      </p:childTnLst>
+                    </p:cTn>
+                  </p:par>
+                  <p:par>
+                    <p:cTn id="7" fill="hold">
+                      <p:stCondLst>
+                        <p:cond delay="indefinite"/>
+                      </p:stCondLst>
+                      <p:childTnLst>
+                        <p:par>
+                          <p:cTn id="8" fill="hold">
+                            <p:stCondLst>
+                              <p:cond delay="0"/>
+                            </p:stCondLst>
+                            <p:childTnLst>
+                              <p:par>
+                                <p:cTn id="9" presetID="1" presetClass="entr" presetSubtype="0" fill="hold" nodeType="clickEffect">
+                                  <p:stCondLst>
+                                    <p:cond delay="0"/>
+                                  </p:stCondLst>
+                                  <p:childTnLst>
+                                    <p:set>
+                                      <p:cBhvr>
+                                        <p:cTn id="10" dur="1" fill="hold">
+                                          <p:stCondLst>
+                                            <p:cond delay="0"/>
+                                          </p:stCondLst>
+                                        </p:cTn>
+                                        <p:tgtEl>
+                                          <p:spTgt spid="34"/>
+                                        </p:tgtEl>
+                                        <p:attrNameLst>
+                                          <p:attrName>style.visibility</p:attrName>
+                                        </p:attrNameLst>
+                                      </p:cBhvr>
+                                      <p:to>
+                                        <p:strVal val="visible"/>
+                                      </p:to>
+                                    </p:set>
+                                  </p:childTnLst>
+                                </p:cTn>
+                              </p:par>
+                            </p:childTnLst>
+                          </p:cTn>
+                        </p:par>
+                      </p:childTnLst>
+                    </p:cTn>
+                  </p:par>
+                  <p:par>
+                    <p:cTn id="11" fill="hold">
+                      <p:stCondLst>
+                        <p:cond delay="indefinite"/>
+                      </p:stCondLst>
+                      <p:childTnLst>
+                        <p:par>
+                          <p:cTn id="12" fill="hold">
+                            <p:stCondLst>
+                              <p:cond delay="0"/>
+                            </p:stCondLst>
+                            <p:childTnLst>
+                              <p:par>
+                                <p:cTn id="13" presetID="1" presetClass="entr" presetSubtype="0" fill="hold" grpId="0" nodeType="clickEffect">
+                                  <p:stCondLst>
+                                    <p:cond delay="0"/>
+                                  </p:stCondLst>
+                                  <p:childTnLst>
+                                    <p:set>
+                                      <p:cBhvr>
+                                        <p:cTn id="14" dur="1" fill="hold">
+                                          <p:stCondLst>
+                                            <p:cond delay="0"/>
+                                          </p:stCondLst>
+                                        </p:cTn>
+                                        <p:tgtEl>
+                                          <p:spTgt spid="26"/>
+                                        </p:tgtEl>
+                                        <p:attrNameLst>
+                                          <p:attrName>style.visibility</p:attrName>
+                                        </p:attrNameLst>
+                                      </p:cBhvr>
+                                      <p:to>
+                                        <p:strVal val="visible"/>
+                                      </p:to>
+                                    </p:set>
+                                  </p:childTnLst>
+                                </p:cTn>
+                              </p:par>
+                            </p:childTnLst>
+                          </p:cTn>
+                        </p:par>
+                      </p:childTnLst>
+                    </p:cTn>
+                  </p:par>
+                </p:childTnLst>
+              </p:cTn>
+              <p:prevCondLst>
+                <p:cond evt="onPrev" delay="0">
+                  <p:tgtEl>
+                    <p:sldTgt/>
+                  </p:tgtEl>
+                </p:cond>
+              </p:prevCondLst>
+              <p:nextCondLst>
+                <p:cond evt="onNext" delay="0">
+                  <p:tgtEl>
+                    <p:sldTgt/>
+                  </p:tgtEl>
+                </p:cond>
+              </p:nextCondLst>
+            </p:seq>
+          </p:childTnLst>
+        </p:cTn>
+      </p:par>
+    </p:tnLst>
+    <p:bldLst>
+      <p:bldP spid="26" grpId="0"/>
+    </p:bldLst>
+  </p:timing>
+</p:sld>
+</file>
+
+<file path=ppt/slides/slide5.xml><?xml version="1.0" encoding="utf-8"?>
 <p:sld xmlns:a="http://schemas.openxmlformats.org/drawingml/2006/main" xmlns:r="http://schemas.openxmlformats.org/officeDocument/2006/relationships" xmlns:p="http://schemas.openxmlformats.org/presentationml/2006/main">
   <p:cSld>
     <p:spTree>
@@ -8030,1411 +10060,6 @@
       <p:transition/>
     </mc:Fallback>
   </mc:AlternateContent>
-</p:sld>
-</file>
-
-<file path=ppt/slides/slide5.xml><?xml version="1.0" encoding="utf-8"?>
-<p:sld xmlns:a="http://schemas.openxmlformats.org/drawingml/2006/main" xmlns:r="http://schemas.openxmlformats.org/officeDocument/2006/relationships" xmlns:p="http://schemas.openxmlformats.org/presentationml/2006/main">
-  <p:cSld>
-    <p:spTree>
-      <p:nvGrpSpPr>
-        <p:cNvPr id="1" name=""/>
-        <p:cNvGrpSpPr/>
-        <p:nvPr/>
-      </p:nvGrpSpPr>
-      <p:grpSpPr>
-        <a:xfrm>
-          <a:off x="0" y="0"/>
-          <a:ext cx="0" cy="0"/>
-          <a:chOff x="0" y="0"/>
-          <a:chExt cx="0" cy="0"/>
-        </a:xfrm>
-      </p:grpSpPr>
-      <p:sp>
-        <p:nvSpPr>
-          <p:cNvPr id="13" name="Title 3">
-            <a:extLst>
-              <a:ext uri="{FF2B5EF4-FFF2-40B4-BE49-F238E27FC236}">
-                <a16:creationId xmlns:a16="http://schemas.microsoft.com/office/drawing/2014/main" id="{801D87DF-ECCF-413F-857F-FA7562D70F05}"/>
-              </a:ext>
-            </a:extLst>
-          </p:cNvPr>
-          <p:cNvSpPr txBox="1">
-            <a:spLocks/>
-          </p:cNvSpPr>
-          <p:nvPr/>
-        </p:nvSpPr>
-        <p:spPr>
-          <a:xfrm>
-            <a:off x="283545" y="216812"/>
-            <a:ext cx="11655840" cy="899537"/>
-          </a:xfrm>
-          <a:prstGeom prst="rect">
-            <a:avLst/>
-          </a:prstGeom>
-        </p:spPr>
-        <p:txBody>
-          <a:bodyPr vert="horz" wrap="square" lIns="143428" tIns="89642" rIns="143428" bIns="89642" rtlCol="0" anchor="t">
-            <a:noAutofit/>
-          </a:bodyPr>
-          <a:lstStyle>
-            <a:lvl1pPr algn="l" defTabSz="932742" rtl="0" eaLnBrk="1" latinLnBrk="0" hangingPunct="1">
-              <a:lnSpc>
-                <a:spcPct val="90000"/>
-              </a:lnSpc>
-              <a:spcBef>
-                <a:spcPct val="0"/>
-              </a:spcBef>
-              <a:buNone/>
-              <a:defRPr lang="en-US" sz="4800" b="0" kern="1200" cap="none" spc="-102" baseline="0" dirty="0" smtClean="0">
-                <a:ln w="3175">
-                  <a:noFill/>
-                </a:ln>
-                <a:solidFill>
-                  <a:srgbClr val="0078D7"/>
-                </a:solidFill>
-                <a:effectLst/>
-                <a:latin typeface="+mj-lt"/>
-                <a:ea typeface="+mn-ea"/>
-                <a:cs typeface="Segoe UI" pitchFamily="34" charset="0"/>
-              </a:defRPr>
-            </a:lvl1pPr>
-          </a:lstStyle>
-          <a:p>
-            <a:pPr defTabSz="457112">
-              <a:lnSpc>
-                <a:spcPts val="3500"/>
-              </a:lnSpc>
-              <a:defRPr/>
-            </a:pPr>
-            <a:r>
-              <a:rPr lang="en-US" sz="3600" spc="0" dirty="0">
-                <a:ln>
-                  <a:noFill/>
-                </a:ln>
-                <a:solidFill>
-                  <a:schemeClr val="accent4">
-                    <a:lumMod val="75000"/>
-                  </a:schemeClr>
-                </a:solidFill>
-                <a:ea typeface="+mj-ea"/>
-                <a:cs typeface="Segoe UI Light"/>
-              </a:rPr>
-              <a:t>Finding relationships</a:t>
-            </a:r>
-          </a:p>
-        </p:txBody>
-      </p:sp>
-      <p:grpSp>
-        <p:nvGrpSpPr>
-          <p:cNvPr id="22" name="Group 8">
-            <a:extLst>
-              <a:ext uri="{FF2B5EF4-FFF2-40B4-BE49-F238E27FC236}">
-                <a16:creationId xmlns:a16="http://schemas.microsoft.com/office/drawing/2014/main" id="{8AED4660-9E8E-41E0-8832-5A0F610BF150}"/>
-              </a:ext>
-            </a:extLst>
-          </p:cNvPr>
-          <p:cNvGrpSpPr>
-            <a:grpSpLocks/>
-          </p:cNvGrpSpPr>
-          <p:nvPr/>
-        </p:nvGrpSpPr>
-        <p:grpSpPr bwMode="auto">
-          <a:xfrm>
-            <a:off x="5498384" y="1563471"/>
-            <a:ext cx="1375105" cy="2083016"/>
-            <a:chOff x="2342" y="1603"/>
-            <a:chExt cx="789" cy="1584"/>
-          </a:xfrm>
-        </p:grpSpPr>
-        <p:sp>
-          <p:nvSpPr>
-            <p:cNvPr id="23" name="Rectangle 6">
-              <a:extLst>
-                <a:ext uri="{FF2B5EF4-FFF2-40B4-BE49-F238E27FC236}">
-                  <a16:creationId xmlns:a16="http://schemas.microsoft.com/office/drawing/2014/main" id="{9DE09AB8-03F2-4798-995E-B79FD4D9051F}"/>
-                </a:ext>
-              </a:extLst>
-            </p:cNvPr>
-            <p:cNvSpPr>
-              <a:spLocks noChangeArrowheads="1"/>
-            </p:cNvSpPr>
-            <p:nvPr/>
-          </p:nvSpPr>
-          <p:spPr bwMode="auto">
-            <a:xfrm>
-              <a:off x="2347" y="1603"/>
-              <a:ext cx="784" cy="1584"/>
-            </a:xfrm>
-            <a:prstGeom prst="rect">
-              <a:avLst/>
-            </a:prstGeom>
-            <a:noFill/>
-            <a:ln w="12700">
-              <a:solidFill>
-                <a:schemeClr val="tx1"/>
-              </a:solidFill>
-              <a:miter lim="800000"/>
-              <a:headEnd/>
-              <a:tailEnd/>
-            </a:ln>
-            <a:extLst>
-              <a:ext uri="{909E8E84-426E-40DD-AFC4-6F175D3DCCD1}">
-                <a14:hiddenFill xmlns:a14="http://schemas.microsoft.com/office/drawing/2010/main">
-                  <a:solidFill>
-                    <a:srgbClr val="FFFFFF"/>
-                  </a:solidFill>
-                </a14:hiddenFill>
-              </a:ext>
-            </a:extLst>
-          </p:spPr>
-          <p:txBody>
-            <a:bodyPr wrap="none" lIns="83391" tIns="40964" rIns="83391" bIns="40964">
-              <a:spAutoFit/>
-            </a:bodyPr>
-            <a:lstStyle>
-              <a:lvl1pPr>
-                <a:defRPr sz="2400">
-                  <a:solidFill>
-                    <a:schemeClr val="tx1"/>
-                  </a:solidFill>
-                  <a:latin typeface="Times New Roman" panose="02020603050405020304" pitchFamily="18" charset="0"/>
-                </a:defRPr>
-              </a:lvl1pPr>
-              <a:lvl2pPr marL="742950" indent="-285750">
-                <a:defRPr sz="2400">
-                  <a:solidFill>
-                    <a:schemeClr val="tx1"/>
-                  </a:solidFill>
-                  <a:latin typeface="Times New Roman" panose="02020603050405020304" pitchFamily="18" charset="0"/>
-                </a:defRPr>
-              </a:lvl2pPr>
-              <a:lvl3pPr marL="1143000" indent="-228600">
-                <a:defRPr sz="2400">
-                  <a:solidFill>
-                    <a:schemeClr val="tx1"/>
-                  </a:solidFill>
-                  <a:latin typeface="Times New Roman" panose="02020603050405020304" pitchFamily="18" charset="0"/>
-                </a:defRPr>
-              </a:lvl3pPr>
-              <a:lvl4pPr marL="1600200" indent="-228600">
-                <a:defRPr sz="2400">
-                  <a:solidFill>
-                    <a:schemeClr val="tx1"/>
-                  </a:solidFill>
-                  <a:latin typeface="Times New Roman" panose="02020603050405020304" pitchFamily="18" charset="0"/>
-                </a:defRPr>
-              </a:lvl4pPr>
-              <a:lvl5pPr marL="2057400" indent="-228600">
-                <a:defRPr sz="2400">
-                  <a:solidFill>
-                    <a:schemeClr val="tx1"/>
-                  </a:solidFill>
-                  <a:latin typeface="Times New Roman" panose="02020603050405020304" pitchFamily="18" charset="0"/>
-                </a:defRPr>
-              </a:lvl5pPr>
-              <a:lvl6pPr marL="2514600" indent="-228600" eaLnBrk="0" fontAlgn="base" hangingPunct="0">
-                <a:spcBef>
-                  <a:spcPct val="0"/>
-                </a:spcBef>
-                <a:spcAft>
-                  <a:spcPct val="0"/>
-                </a:spcAft>
-                <a:defRPr sz="2400">
-                  <a:solidFill>
-                    <a:schemeClr val="tx1"/>
-                  </a:solidFill>
-                  <a:latin typeface="Times New Roman" panose="02020603050405020304" pitchFamily="18" charset="0"/>
-                </a:defRPr>
-              </a:lvl6pPr>
-              <a:lvl7pPr marL="2971800" indent="-228600" eaLnBrk="0" fontAlgn="base" hangingPunct="0">
-                <a:spcBef>
-                  <a:spcPct val="0"/>
-                </a:spcBef>
-                <a:spcAft>
-                  <a:spcPct val="0"/>
-                </a:spcAft>
-                <a:defRPr sz="2400">
-                  <a:solidFill>
-                    <a:schemeClr val="tx1"/>
-                  </a:solidFill>
-                  <a:latin typeface="Times New Roman" panose="02020603050405020304" pitchFamily="18" charset="0"/>
-                </a:defRPr>
-              </a:lvl7pPr>
-              <a:lvl8pPr marL="3429000" indent="-228600" eaLnBrk="0" fontAlgn="base" hangingPunct="0">
-                <a:spcBef>
-                  <a:spcPct val="0"/>
-                </a:spcBef>
-                <a:spcAft>
-                  <a:spcPct val="0"/>
-                </a:spcAft>
-                <a:defRPr sz="2400">
-                  <a:solidFill>
-                    <a:schemeClr val="tx1"/>
-                  </a:solidFill>
-                  <a:latin typeface="Times New Roman" panose="02020603050405020304" pitchFamily="18" charset="0"/>
-                </a:defRPr>
-              </a:lvl8pPr>
-              <a:lvl9pPr marL="3886200" indent="-228600" eaLnBrk="0" fontAlgn="base" hangingPunct="0">
-                <a:spcBef>
-                  <a:spcPct val="0"/>
-                </a:spcBef>
-                <a:spcAft>
-                  <a:spcPct val="0"/>
-                </a:spcAft>
-                <a:defRPr sz="2400">
-                  <a:solidFill>
-                    <a:schemeClr val="tx1"/>
-                  </a:solidFill>
-                  <a:latin typeface="Times New Roman" panose="02020603050405020304" pitchFamily="18" charset="0"/>
-                </a:defRPr>
-              </a:lvl9pPr>
-            </a:lstStyle>
-            <a:p>
-              <a:pPr defTabSz="914225">
-                <a:spcAft>
-                  <a:spcPct val="50000"/>
-                </a:spcAft>
-              </a:pPr>
-              <a:r>
-                <a:rPr lang="en-US" altLang="en-US" sz="2000" b="1" dirty="0">
-                  <a:solidFill>
-                    <a:prstClr val="black"/>
-                  </a:solidFill>
-                  <a:latin typeface="Arial" panose="020B0604020202020204" pitchFamily="34" charset="0"/>
-                  <a:cs typeface="Arial" panose="020B0604020202020204" pitchFamily="34" charset="0"/>
-                </a:rPr>
-                <a:t>  Orders</a:t>
-              </a:r>
-              <a:endParaRPr lang="en-US" altLang="en-US" sz="2000" dirty="0">
-                <a:solidFill>
-                  <a:prstClr val="black"/>
-                </a:solidFill>
-                <a:latin typeface="Arial" panose="020B0604020202020204" pitchFamily="34" charset="0"/>
-                <a:cs typeface="Arial" panose="020B0604020202020204" pitchFamily="34" charset="0"/>
-              </a:endParaRPr>
-            </a:p>
-            <a:p>
-              <a:pPr defTabSz="914225"/>
-              <a:r>
-                <a:rPr lang="en-US" altLang="en-US" sz="2000" b="1" dirty="0">
-                  <a:solidFill>
-                    <a:prstClr val="black"/>
-                  </a:solidFill>
-                  <a:latin typeface="Arial" panose="020B0604020202020204" pitchFamily="34" charset="0"/>
-                  <a:cs typeface="Arial" panose="020B0604020202020204" pitchFamily="34" charset="0"/>
-                </a:rPr>
-                <a:t>OrderID</a:t>
-              </a:r>
-            </a:p>
-            <a:p>
-              <a:pPr defTabSz="914225"/>
-              <a:r>
-                <a:rPr lang="en-US" altLang="en-US" sz="2000" dirty="0">
-                  <a:solidFill>
-                    <a:prstClr val="black"/>
-                  </a:solidFill>
-                  <a:latin typeface="Arial" panose="020B0604020202020204" pitchFamily="34" charset="0"/>
-                  <a:cs typeface="Arial" panose="020B0604020202020204" pitchFamily="34" charset="0"/>
-                </a:rPr>
-                <a:t>CustID</a:t>
-              </a:r>
-            </a:p>
-            <a:p>
-              <a:pPr defTabSz="914225"/>
-              <a:r>
-                <a:rPr lang="en-US" altLang="en-US" sz="2000" dirty="0">
-                  <a:solidFill>
-                    <a:prstClr val="black"/>
-                  </a:solidFill>
-                  <a:latin typeface="Arial" panose="020B0604020202020204" pitchFamily="34" charset="0"/>
-                  <a:cs typeface="Arial" panose="020B0604020202020204" pitchFamily="34" charset="0"/>
-                </a:rPr>
-                <a:t>ProductID</a:t>
-              </a:r>
-            </a:p>
-            <a:p>
-              <a:pPr defTabSz="914225"/>
-              <a:r>
-                <a:rPr lang="en-US" altLang="en-US" sz="2000" dirty="0">
-                  <a:solidFill>
-                    <a:prstClr val="black"/>
-                  </a:solidFill>
-                  <a:latin typeface="Arial" panose="020B0604020202020204" pitchFamily="34" charset="0"/>
-                  <a:cs typeface="Arial" panose="020B0604020202020204" pitchFamily="34" charset="0"/>
-                </a:rPr>
-                <a:t>Qty</a:t>
-              </a:r>
-            </a:p>
-            <a:p>
-              <a:pPr defTabSz="914225"/>
-              <a:r>
-                <a:rPr lang="en-US" altLang="en-US" sz="2000" dirty="0">
-                  <a:solidFill>
-                    <a:prstClr val="black"/>
-                  </a:solidFill>
-                  <a:latin typeface="Arial" panose="020B0604020202020204" pitchFamily="34" charset="0"/>
-                  <a:cs typeface="Arial" panose="020B0604020202020204" pitchFamily="34" charset="0"/>
-                </a:rPr>
-                <a:t>OrderDate</a:t>
-              </a:r>
-            </a:p>
-          </p:txBody>
-        </p:sp>
-        <p:sp>
-          <p:nvSpPr>
-            <p:cNvPr id="24" name="Line 7">
-              <a:extLst>
-                <a:ext uri="{FF2B5EF4-FFF2-40B4-BE49-F238E27FC236}">
-                  <a16:creationId xmlns:a16="http://schemas.microsoft.com/office/drawing/2014/main" id="{CF038238-3197-43C8-95DB-461156A11676}"/>
-                </a:ext>
-              </a:extLst>
-            </p:cNvPr>
-            <p:cNvSpPr>
-              <a:spLocks noChangeShapeType="1"/>
-            </p:cNvSpPr>
-            <p:nvPr/>
-          </p:nvSpPr>
-          <p:spPr bwMode="auto">
-            <a:xfrm>
-              <a:off x="2342" y="1853"/>
-              <a:ext cx="788" cy="0"/>
-            </a:xfrm>
-            <a:prstGeom prst="line">
-              <a:avLst/>
-            </a:prstGeom>
-            <a:noFill/>
-            <a:ln w="12700">
-              <a:solidFill>
-                <a:schemeClr val="tx1"/>
-              </a:solidFill>
-              <a:round/>
-              <a:headEnd/>
-              <a:tailEnd/>
-            </a:ln>
-            <a:extLst>
-              <a:ext uri="{909E8E84-426E-40DD-AFC4-6F175D3DCCD1}">
-                <a14:hiddenFill xmlns:a14="http://schemas.microsoft.com/office/drawing/2010/main">
-                  <a:noFill/>
-                </a14:hiddenFill>
-              </a:ext>
-            </a:extLst>
-          </p:spPr>
-          <p:txBody>
-            <a:bodyPr/>
-            <a:lstStyle/>
-            <a:p>
-              <a:pPr defTabSz="914225"/>
-              <a:endParaRPr lang="en-US" sz="2000" dirty="0">
-                <a:solidFill>
-                  <a:prstClr val="black"/>
-                </a:solidFill>
-                <a:latin typeface="Arial" panose="020B0604020202020204" pitchFamily="34" charset="0"/>
-                <a:cs typeface="Arial" panose="020B0604020202020204" pitchFamily="34" charset="0"/>
-              </a:endParaRPr>
-            </a:p>
-          </p:txBody>
-        </p:sp>
-      </p:grpSp>
-      <p:cxnSp>
-        <p:nvCxnSpPr>
-          <p:cNvPr id="25" name="Elbow Connector 57343">
-            <a:extLst>
-              <a:ext uri="{FF2B5EF4-FFF2-40B4-BE49-F238E27FC236}">
-                <a16:creationId xmlns:a16="http://schemas.microsoft.com/office/drawing/2014/main" id="{E1DFCC66-E3CE-48A1-8334-2EEBF5AF10EC}"/>
-              </a:ext>
-            </a:extLst>
-          </p:cNvPr>
-          <p:cNvCxnSpPr>
-            <a:cxnSpLocks/>
-            <a:stCxn id="23" idx="1"/>
-          </p:cNvCxnSpPr>
-          <p:nvPr/>
-        </p:nvCxnSpPr>
-        <p:spPr>
-          <a:xfrm rot="10800000">
-            <a:off x="4002530" y="2033963"/>
-            <a:ext cx="1504569" cy="571016"/>
-          </a:xfrm>
-          <a:prstGeom prst="bentConnector3">
-            <a:avLst/>
-          </a:prstGeom>
-          <a:ln w="38100">
-            <a:solidFill>
-              <a:schemeClr val="tx1"/>
-            </a:solidFill>
-          </a:ln>
-        </p:spPr>
-        <p:style>
-          <a:lnRef idx="1">
-            <a:schemeClr val="accent1"/>
-          </a:lnRef>
-          <a:fillRef idx="0">
-            <a:schemeClr val="accent1"/>
-          </a:fillRef>
-          <a:effectRef idx="0">
-            <a:schemeClr val="accent1"/>
-          </a:effectRef>
-          <a:fontRef idx="minor">
-            <a:schemeClr val="tx1"/>
-          </a:fontRef>
-        </p:style>
-      </p:cxnSp>
-      <p:sp>
-        <p:nvSpPr>
-          <p:cNvPr id="26" name="TextBox 25">
-            <a:extLst>
-              <a:ext uri="{FF2B5EF4-FFF2-40B4-BE49-F238E27FC236}">
-                <a16:creationId xmlns:a16="http://schemas.microsoft.com/office/drawing/2014/main" id="{F1BBAA88-9358-4438-8408-1DB64E6714F5}"/>
-              </a:ext>
-            </a:extLst>
-          </p:cNvPr>
-          <p:cNvSpPr txBox="1"/>
-          <p:nvPr/>
-        </p:nvSpPr>
-        <p:spPr>
-          <a:xfrm>
-            <a:off x="530968" y="4250748"/>
-            <a:ext cx="11308193" cy="1243417"/>
-          </a:xfrm>
-          <a:prstGeom prst="rect">
-            <a:avLst/>
-          </a:prstGeom>
-          <a:noFill/>
-        </p:spPr>
-        <p:txBody>
-          <a:bodyPr wrap="square" rtlCol="0">
-            <a:spAutoFit/>
-          </a:bodyPr>
-          <a:lstStyle/>
-          <a:p>
-            <a:pPr marL="336145" indent="-336145">
-              <a:lnSpc>
-                <a:spcPct val="90000"/>
-              </a:lnSpc>
-              <a:spcBef>
-                <a:spcPts val="588"/>
-              </a:spcBef>
-              <a:buSzPct val="90000"/>
-              <a:buFont typeface="Arial" pitchFamily="34" charset="0"/>
-              <a:buChar char="•"/>
-            </a:pPr>
-            <a:r>
-              <a:rPr lang="en-US" sz="2400" dirty="0">
-                <a:solidFill>
-                  <a:srgbClr val="000000"/>
-                </a:solidFill>
-              </a:rPr>
-              <a:t>Primary Key within a </a:t>
-            </a:r>
-            <a:r>
-              <a:rPr lang="en-US" sz="2400" b="1" dirty="0">
-                <a:solidFill>
-                  <a:srgbClr val="000000"/>
-                </a:solidFill>
-              </a:rPr>
-              <a:t>table</a:t>
-            </a:r>
-            <a:r>
-              <a:rPr lang="en-US" sz="2400" dirty="0">
-                <a:solidFill>
-                  <a:srgbClr val="000000"/>
-                </a:solidFill>
-              </a:rPr>
-              <a:t> is the unique identifier</a:t>
-            </a:r>
-          </a:p>
-          <a:p>
-            <a:pPr marL="336145" indent="-336145">
-              <a:lnSpc>
-                <a:spcPct val="90000"/>
-              </a:lnSpc>
-              <a:spcBef>
-                <a:spcPts val="588"/>
-              </a:spcBef>
-              <a:buSzPct val="90000"/>
-              <a:buFont typeface="Arial" pitchFamily="34" charset="0"/>
-              <a:buChar char="•"/>
-            </a:pPr>
-            <a:r>
-              <a:rPr lang="en-US" sz="2400" dirty="0">
-                <a:solidFill>
-                  <a:prstClr val="black"/>
-                </a:solidFill>
-              </a:rPr>
-              <a:t>Primary Key within a </a:t>
-            </a:r>
-            <a:r>
-              <a:rPr lang="en-US" sz="2400" b="1" dirty="0">
-                <a:solidFill>
-                  <a:prstClr val="black"/>
-                </a:solidFill>
-              </a:rPr>
-              <a:t>relationship</a:t>
-            </a:r>
-            <a:r>
-              <a:rPr lang="en-US" sz="2400" dirty="0">
-                <a:solidFill>
-                  <a:prstClr val="black"/>
-                </a:solidFill>
-              </a:rPr>
-              <a:t> is the best describer of the connecting field</a:t>
-            </a:r>
-          </a:p>
-          <a:p>
-            <a:pPr marL="336145" indent="-336145">
-              <a:lnSpc>
-                <a:spcPct val="90000"/>
-              </a:lnSpc>
-              <a:spcBef>
-                <a:spcPts val="588"/>
-              </a:spcBef>
-              <a:buSzPct val="90000"/>
-              <a:buFont typeface="Arial" pitchFamily="34" charset="0"/>
-              <a:buChar char="•"/>
-            </a:pPr>
-            <a:r>
-              <a:rPr lang="en-US" sz="2400" dirty="0">
-                <a:solidFill>
-                  <a:prstClr val="black"/>
-                </a:solidFill>
-              </a:rPr>
-              <a:t>Foreign Key within a relationship connects a Child table to a Parent Table</a:t>
-            </a:r>
-            <a:endParaRPr lang="en-US" sz="2400" dirty="0">
-              <a:solidFill>
-                <a:srgbClr val="000000"/>
-              </a:solidFill>
-              <a:latin typeface="+mj-lt"/>
-            </a:endParaRPr>
-          </a:p>
-        </p:txBody>
-      </p:sp>
-      <p:grpSp>
-        <p:nvGrpSpPr>
-          <p:cNvPr id="27" name="Group 8">
-            <a:extLst>
-              <a:ext uri="{FF2B5EF4-FFF2-40B4-BE49-F238E27FC236}">
-                <a16:creationId xmlns:a16="http://schemas.microsoft.com/office/drawing/2014/main" id="{0C82BA05-51E5-4E2B-BAB5-D2B50BD416FB}"/>
-              </a:ext>
-            </a:extLst>
-          </p:cNvPr>
-          <p:cNvGrpSpPr>
-            <a:grpSpLocks/>
-          </p:cNvGrpSpPr>
-          <p:nvPr/>
-        </p:nvGrpSpPr>
-        <p:grpSpPr bwMode="auto">
-          <a:xfrm>
-            <a:off x="2371217" y="1429702"/>
-            <a:ext cx="2033904" cy="2083017"/>
-            <a:chOff x="2342" y="1603"/>
-            <a:chExt cx="1167" cy="1584"/>
-          </a:xfrm>
-        </p:grpSpPr>
-        <p:sp>
-          <p:nvSpPr>
-            <p:cNvPr id="28" name="Rectangle 6">
-              <a:extLst>
-                <a:ext uri="{FF2B5EF4-FFF2-40B4-BE49-F238E27FC236}">
-                  <a16:creationId xmlns:a16="http://schemas.microsoft.com/office/drawing/2014/main" id="{6FA25DB1-6163-4FB1-BC74-BE08732BC42C}"/>
-                </a:ext>
-              </a:extLst>
-            </p:cNvPr>
-            <p:cNvSpPr>
-              <a:spLocks noChangeArrowheads="1"/>
-            </p:cNvSpPr>
-            <p:nvPr/>
-          </p:nvSpPr>
-          <p:spPr bwMode="auto">
-            <a:xfrm>
-              <a:off x="2347" y="1603"/>
-              <a:ext cx="1162" cy="1584"/>
-            </a:xfrm>
-            <a:prstGeom prst="rect">
-              <a:avLst/>
-            </a:prstGeom>
-            <a:noFill/>
-            <a:ln w="12700">
-              <a:solidFill>
-                <a:schemeClr val="tx1"/>
-              </a:solidFill>
-              <a:miter lim="800000"/>
-              <a:headEnd/>
-              <a:tailEnd/>
-            </a:ln>
-            <a:extLst>
-              <a:ext uri="{909E8E84-426E-40DD-AFC4-6F175D3DCCD1}">
-                <a14:hiddenFill xmlns:a14="http://schemas.microsoft.com/office/drawing/2010/main">
-                  <a:solidFill>
-                    <a:srgbClr val="FFFFFF"/>
-                  </a:solidFill>
-                </a14:hiddenFill>
-              </a:ext>
-            </a:extLst>
-          </p:spPr>
-          <p:txBody>
-            <a:bodyPr wrap="none" lIns="83391" tIns="40964" rIns="83391" bIns="40964">
-              <a:spAutoFit/>
-            </a:bodyPr>
-            <a:lstStyle>
-              <a:lvl1pPr>
-                <a:defRPr sz="2400">
-                  <a:solidFill>
-                    <a:schemeClr val="tx1"/>
-                  </a:solidFill>
-                  <a:latin typeface="Times New Roman" panose="02020603050405020304" pitchFamily="18" charset="0"/>
-                </a:defRPr>
-              </a:lvl1pPr>
-              <a:lvl2pPr marL="742950" indent="-285750">
-                <a:defRPr sz="2400">
-                  <a:solidFill>
-                    <a:schemeClr val="tx1"/>
-                  </a:solidFill>
-                  <a:latin typeface="Times New Roman" panose="02020603050405020304" pitchFamily="18" charset="0"/>
-                </a:defRPr>
-              </a:lvl2pPr>
-              <a:lvl3pPr marL="1143000" indent="-228600">
-                <a:defRPr sz="2400">
-                  <a:solidFill>
-                    <a:schemeClr val="tx1"/>
-                  </a:solidFill>
-                  <a:latin typeface="Times New Roman" panose="02020603050405020304" pitchFamily="18" charset="0"/>
-                </a:defRPr>
-              </a:lvl3pPr>
-              <a:lvl4pPr marL="1600200" indent="-228600">
-                <a:defRPr sz="2400">
-                  <a:solidFill>
-                    <a:schemeClr val="tx1"/>
-                  </a:solidFill>
-                  <a:latin typeface="Times New Roman" panose="02020603050405020304" pitchFamily="18" charset="0"/>
-                </a:defRPr>
-              </a:lvl4pPr>
-              <a:lvl5pPr marL="2057400" indent="-228600">
-                <a:defRPr sz="2400">
-                  <a:solidFill>
-                    <a:schemeClr val="tx1"/>
-                  </a:solidFill>
-                  <a:latin typeface="Times New Roman" panose="02020603050405020304" pitchFamily="18" charset="0"/>
-                </a:defRPr>
-              </a:lvl5pPr>
-              <a:lvl6pPr marL="2514600" indent="-228600" eaLnBrk="0" fontAlgn="base" hangingPunct="0">
-                <a:spcBef>
-                  <a:spcPct val="0"/>
-                </a:spcBef>
-                <a:spcAft>
-                  <a:spcPct val="0"/>
-                </a:spcAft>
-                <a:defRPr sz="2400">
-                  <a:solidFill>
-                    <a:schemeClr val="tx1"/>
-                  </a:solidFill>
-                  <a:latin typeface="Times New Roman" panose="02020603050405020304" pitchFamily="18" charset="0"/>
-                </a:defRPr>
-              </a:lvl6pPr>
-              <a:lvl7pPr marL="2971800" indent="-228600" eaLnBrk="0" fontAlgn="base" hangingPunct="0">
-                <a:spcBef>
-                  <a:spcPct val="0"/>
-                </a:spcBef>
-                <a:spcAft>
-                  <a:spcPct val="0"/>
-                </a:spcAft>
-                <a:defRPr sz="2400">
-                  <a:solidFill>
-                    <a:schemeClr val="tx1"/>
-                  </a:solidFill>
-                  <a:latin typeface="Times New Roman" panose="02020603050405020304" pitchFamily="18" charset="0"/>
-                </a:defRPr>
-              </a:lvl7pPr>
-              <a:lvl8pPr marL="3429000" indent="-228600" eaLnBrk="0" fontAlgn="base" hangingPunct="0">
-                <a:spcBef>
-                  <a:spcPct val="0"/>
-                </a:spcBef>
-                <a:spcAft>
-                  <a:spcPct val="0"/>
-                </a:spcAft>
-                <a:defRPr sz="2400">
-                  <a:solidFill>
-                    <a:schemeClr val="tx1"/>
-                  </a:solidFill>
-                  <a:latin typeface="Times New Roman" panose="02020603050405020304" pitchFamily="18" charset="0"/>
-                </a:defRPr>
-              </a:lvl8pPr>
-              <a:lvl9pPr marL="3886200" indent="-228600" eaLnBrk="0" fontAlgn="base" hangingPunct="0">
-                <a:spcBef>
-                  <a:spcPct val="0"/>
-                </a:spcBef>
-                <a:spcAft>
-                  <a:spcPct val="0"/>
-                </a:spcAft>
-                <a:defRPr sz="2400">
-                  <a:solidFill>
-                    <a:schemeClr val="tx1"/>
-                  </a:solidFill>
-                  <a:latin typeface="Times New Roman" panose="02020603050405020304" pitchFamily="18" charset="0"/>
-                </a:defRPr>
-              </a:lvl9pPr>
-            </a:lstStyle>
-            <a:p>
-              <a:pPr defTabSz="914225">
-                <a:spcAft>
-                  <a:spcPct val="50000"/>
-                </a:spcAft>
-              </a:pPr>
-              <a:r>
-                <a:rPr lang="en-US" altLang="en-US" sz="2000" b="1" dirty="0">
-                  <a:solidFill>
-                    <a:prstClr val="black"/>
-                  </a:solidFill>
-                  <a:latin typeface="Arial" panose="020B0604020202020204" pitchFamily="34" charset="0"/>
-                  <a:cs typeface="Arial" panose="020B0604020202020204" pitchFamily="34" charset="0"/>
-                </a:rPr>
-                <a:t>   Customers</a:t>
-              </a:r>
-              <a:endParaRPr lang="en-US" altLang="en-US" sz="2000" dirty="0">
-                <a:solidFill>
-                  <a:prstClr val="black"/>
-                </a:solidFill>
-                <a:latin typeface="Arial" panose="020B0604020202020204" pitchFamily="34" charset="0"/>
-                <a:cs typeface="Arial" panose="020B0604020202020204" pitchFamily="34" charset="0"/>
-              </a:endParaRPr>
-            </a:p>
-            <a:p>
-              <a:pPr defTabSz="914225"/>
-              <a:r>
-                <a:rPr lang="en-US" altLang="en-US" sz="2000" b="1" dirty="0">
-                  <a:solidFill>
-                    <a:prstClr val="black"/>
-                  </a:solidFill>
-                  <a:latin typeface="Arial" panose="020B0604020202020204" pitchFamily="34" charset="0"/>
-                  <a:cs typeface="Arial" panose="020B0604020202020204" pitchFamily="34" charset="0"/>
-                </a:rPr>
-                <a:t>CustomerID</a:t>
-              </a:r>
-            </a:p>
-            <a:p>
-              <a:pPr defTabSz="914225"/>
-              <a:r>
-                <a:rPr lang="en-US" altLang="en-US" sz="2000" dirty="0">
-                  <a:solidFill>
-                    <a:prstClr val="black"/>
-                  </a:solidFill>
-                  <a:latin typeface="Arial" panose="020B0604020202020204" pitchFamily="34" charset="0"/>
-                  <a:cs typeface="Arial" panose="020B0604020202020204" pitchFamily="34" charset="0"/>
-                </a:rPr>
-                <a:t>FirstName</a:t>
-              </a:r>
-            </a:p>
-            <a:p>
-              <a:pPr defTabSz="914225"/>
-              <a:r>
-                <a:rPr lang="en-US" altLang="en-US" sz="2000" dirty="0">
-                  <a:solidFill>
-                    <a:prstClr val="black"/>
-                  </a:solidFill>
-                  <a:latin typeface="Arial" panose="020B0604020202020204" pitchFamily="34" charset="0"/>
-                  <a:cs typeface="Arial" panose="020B0604020202020204" pitchFamily="34" charset="0"/>
-                </a:rPr>
-                <a:t>LastName</a:t>
-              </a:r>
-            </a:p>
-            <a:p>
-              <a:pPr defTabSz="914225"/>
-              <a:r>
-                <a:rPr lang="en-US" altLang="en-US" sz="2000" dirty="0">
-                  <a:solidFill>
-                    <a:prstClr val="black"/>
-                  </a:solidFill>
-                  <a:latin typeface="Arial" panose="020B0604020202020204" pitchFamily="34" charset="0"/>
-                  <a:cs typeface="Arial" panose="020B0604020202020204" pitchFamily="34" charset="0"/>
-                </a:rPr>
-                <a:t>Company Name</a:t>
-              </a:r>
-            </a:p>
-            <a:p>
-              <a:pPr defTabSz="914225"/>
-              <a:r>
-                <a:rPr lang="en-US" altLang="en-US" sz="2000" dirty="0">
-                  <a:solidFill>
-                    <a:prstClr val="black"/>
-                  </a:solidFill>
-                  <a:latin typeface="Arial" panose="020B0604020202020204" pitchFamily="34" charset="0"/>
-                  <a:cs typeface="Arial" panose="020B0604020202020204" pitchFamily="34" charset="0"/>
-                </a:rPr>
-                <a:t>Phone</a:t>
-              </a:r>
-            </a:p>
-          </p:txBody>
-        </p:sp>
-        <p:sp>
-          <p:nvSpPr>
-            <p:cNvPr id="29" name="Line 7">
-              <a:extLst>
-                <a:ext uri="{FF2B5EF4-FFF2-40B4-BE49-F238E27FC236}">
-                  <a16:creationId xmlns:a16="http://schemas.microsoft.com/office/drawing/2014/main" id="{52BF6E14-517A-4AB1-8474-0E6F4814DD6E}"/>
-                </a:ext>
-              </a:extLst>
-            </p:cNvPr>
-            <p:cNvSpPr>
-              <a:spLocks noChangeShapeType="1"/>
-            </p:cNvSpPr>
-            <p:nvPr/>
-          </p:nvSpPr>
-          <p:spPr bwMode="auto">
-            <a:xfrm>
-              <a:off x="2342" y="1853"/>
-              <a:ext cx="1162" cy="0"/>
-            </a:xfrm>
-            <a:prstGeom prst="line">
-              <a:avLst/>
-            </a:prstGeom>
-            <a:noFill/>
-            <a:ln w="12700">
-              <a:solidFill>
-                <a:schemeClr val="tx1"/>
-              </a:solidFill>
-              <a:round/>
-              <a:headEnd/>
-              <a:tailEnd/>
-            </a:ln>
-            <a:extLst>
-              <a:ext uri="{909E8E84-426E-40DD-AFC4-6F175D3DCCD1}">
-                <a14:hiddenFill xmlns:a14="http://schemas.microsoft.com/office/drawing/2010/main">
-                  <a:noFill/>
-                </a14:hiddenFill>
-              </a:ext>
-            </a:extLst>
-          </p:spPr>
-          <p:txBody>
-            <a:bodyPr/>
-            <a:lstStyle/>
-            <a:p>
-              <a:pPr defTabSz="914225"/>
-              <a:endParaRPr lang="en-US" sz="2000" dirty="0">
-                <a:solidFill>
-                  <a:prstClr val="black"/>
-                </a:solidFill>
-                <a:latin typeface="Arial" panose="020B0604020202020204" pitchFamily="34" charset="0"/>
-                <a:cs typeface="Arial" panose="020B0604020202020204" pitchFamily="34" charset="0"/>
-              </a:endParaRPr>
-            </a:p>
-          </p:txBody>
-        </p:sp>
-      </p:grpSp>
-      <p:grpSp>
-        <p:nvGrpSpPr>
-          <p:cNvPr id="31" name="Group 8">
-            <a:extLst>
-              <a:ext uri="{FF2B5EF4-FFF2-40B4-BE49-F238E27FC236}">
-                <a16:creationId xmlns:a16="http://schemas.microsoft.com/office/drawing/2014/main" id="{E08394B7-6CA7-46CE-A035-0F56398238BE}"/>
-              </a:ext>
-            </a:extLst>
-          </p:cNvPr>
-          <p:cNvGrpSpPr>
-            <a:grpSpLocks/>
-          </p:cNvGrpSpPr>
-          <p:nvPr/>
-        </p:nvGrpSpPr>
-        <p:grpSpPr bwMode="auto">
-          <a:xfrm>
-            <a:off x="7958038" y="1505712"/>
-            <a:ext cx="1777703" cy="1495588"/>
-            <a:chOff x="2342" y="1603"/>
-            <a:chExt cx="1020" cy="1289"/>
-          </a:xfrm>
-        </p:grpSpPr>
-        <p:sp>
-          <p:nvSpPr>
-            <p:cNvPr id="32" name="Rectangle 6">
-              <a:extLst>
-                <a:ext uri="{FF2B5EF4-FFF2-40B4-BE49-F238E27FC236}">
-                  <a16:creationId xmlns:a16="http://schemas.microsoft.com/office/drawing/2014/main" id="{17F70B29-C31F-465E-A614-27A2A37428FD}"/>
-                </a:ext>
-              </a:extLst>
-            </p:cNvPr>
-            <p:cNvSpPr>
-              <a:spLocks noChangeArrowheads="1"/>
-            </p:cNvSpPr>
-            <p:nvPr/>
-          </p:nvSpPr>
-          <p:spPr bwMode="auto">
-            <a:xfrm>
-              <a:off x="2347" y="1603"/>
-              <a:ext cx="1015" cy="1289"/>
-            </a:xfrm>
-            <a:prstGeom prst="rect">
-              <a:avLst/>
-            </a:prstGeom>
-            <a:noFill/>
-            <a:ln w="12700">
-              <a:solidFill>
-                <a:schemeClr val="tx1"/>
-              </a:solidFill>
-              <a:miter lim="800000"/>
-              <a:headEnd/>
-              <a:tailEnd/>
-            </a:ln>
-            <a:extLst>
-              <a:ext uri="{909E8E84-426E-40DD-AFC4-6F175D3DCCD1}">
-                <a14:hiddenFill xmlns:a14="http://schemas.microsoft.com/office/drawing/2010/main">
-                  <a:solidFill>
-                    <a:srgbClr val="FFFFFF"/>
-                  </a:solidFill>
-                </a14:hiddenFill>
-              </a:ext>
-            </a:extLst>
-          </p:spPr>
-          <p:txBody>
-            <a:bodyPr wrap="none" lIns="83391" tIns="40964" rIns="83391" bIns="40964">
-              <a:spAutoFit/>
-            </a:bodyPr>
-            <a:lstStyle>
-              <a:lvl1pPr>
-                <a:defRPr sz="2400">
-                  <a:solidFill>
-                    <a:schemeClr val="tx1"/>
-                  </a:solidFill>
-                  <a:latin typeface="Times New Roman" panose="02020603050405020304" pitchFamily="18" charset="0"/>
-                </a:defRPr>
-              </a:lvl1pPr>
-              <a:lvl2pPr marL="742950" indent="-285750">
-                <a:defRPr sz="2400">
-                  <a:solidFill>
-                    <a:schemeClr val="tx1"/>
-                  </a:solidFill>
-                  <a:latin typeface="Times New Roman" panose="02020603050405020304" pitchFamily="18" charset="0"/>
-                </a:defRPr>
-              </a:lvl2pPr>
-              <a:lvl3pPr marL="1143000" indent="-228600">
-                <a:defRPr sz="2400">
-                  <a:solidFill>
-                    <a:schemeClr val="tx1"/>
-                  </a:solidFill>
-                  <a:latin typeface="Times New Roman" panose="02020603050405020304" pitchFamily="18" charset="0"/>
-                </a:defRPr>
-              </a:lvl3pPr>
-              <a:lvl4pPr marL="1600200" indent="-228600">
-                <a:defRPr sz="2400">
-                  <a:solidFill>
-                    <a:schemeClr val="tx1"/>
-                  </a:solidFill>
-                  <a:latin typeface="Times New Roman" panose="02020603050405020304" pitchFamily="18" charset="0"/>
-                </a:defRPr>
-              </a:lvl4pPr>
-              <a:lvl5pPr marL="2057400" indent="-228600">
-                <a:defRPr sz="2400">
-                  <a:solidFill>
-                    <a:schemeClr val="tx1"/>
-                  </a:solidFill>
-                  <a:latin typeface="Times New Roman" panose="02020603050405020304" pitchFamily="18" charset="0"/>
-                </a:defRPr>
-              </a:lvl5pPr>
-              <a:lvl6pPr marL="2514600" indent="-228600" eaLnBrk="0" fontAlgn="base" hangingPunct="0">
-                <a:spcBef>
-                  <a:spcPct val="0"/>
-                </a:spcBef>
-                <a:spcAft>
-                  <a:spcPct val="0"/>
-                </a:spcAft>
-                <a:defRPr sz="2400">
-                  <a:solidFill>
-                    <a:schemeClr val="tx1"/>
-                  </a:solidFill>
-                  <a:latin typeface="Times New Roman" panose="02020603050405020304" pitchFamily="18" charset="0"/>
-                </a:defRPr>
-              </a:lvl6pPr>
-              <a:lvl7pPr marL="2971800" indent="-228600" eaLnBrk="0" fontAlgn="base" hangingPunct="0">
-                <a:spcBef>
-                  <a:spcPct val="0"/>
-                </a:spcBef>
-                <a:spcAft>
-                  <a:spcPct val="0"/>
-                </a:spcAft>
-                <a:defRPr sz="2400">
-                  <a:solidFill>
-                    <a:schemeClr val="tx1"/>
-                  </a:solidFill>
-                  <a:latin typeface="Times New Roman" panose="02020603050405020304" pitchFamily="18" charset="0"/>
-                </a:defRPr>
-              </a:lvl7pPr>
-              <a:lvl8pPr marL="3429000" indent="-228600" eaLnBrk="0" fontAlgn="base" hangingPunct="0">
-                <a:spcBef>
-                  <a:spcPct val="0"/>
-                </a:spcBef>
-                <a:spcAft>
-                  <a:spcPct val="0"/>
-                </a:spcAft>
-                <a:defRPr sz="2400">
-                  <a:solidFill>
-                    <a:schemeClr val="tx1"/>
-                  </a:solidFill>
-                  <a:latin typeface="Times New Roman" panose="02020603050405020304" pitchFamily="18" charset="0"/>
-                </a:defRPr>
-              </a:lvl8pPr>
-              <a:lvl9pPr marL="3886200" indent="-228600" eaLnBrk="0" fontAlgn="base" hangingPunct="0">
-                <a:spcBef>
-                  <a:spcPct val="0"/>
-                </a:spcBef>
-                <a:spcAft>
-                  <a:spcPct val="0"/>
-                </a:spcAft>
-                <a:defRPr sz="2400">
-                  <a:solidFill>
-                    <a:schemeClr val="tx1"/>
-                  </a:solidFill>
-                  <a:latin typeface="Times New Roman" panose="02020603050405020304" pitchFamily="18" charset="0"/>
-                </a:defRPr>
-              </a:lvl9pPr>
-            </a:lstStyle>
-            <a:p>
-              <a:pPr defTabSz="914225">
-                <a:spcAft>
-                  <a:spcPct val="50000"/>
-                </a:spcAft>
-              </a:pPr>
-              <a:r>
-                <a:rPr lang="en-US" altLang="en-US" sz="2000" b="1" dirty="0">
-                  <a:solidFill>
-                    <a:prstClr val="black"/>
-                  </a:solidFill>
-                  <a:latin typeface="Arial" panose="020B0604020202020204" pitchFamily="34" charset="0"/>
-                  <a:cs typeface="Arial" panose="020B0604020202020204" pitchFamily="34" charset="0"/>
-                </a:rPr>
-                <a:t>   Products</a:t>
-              </a:r>
-              <a:endParaRPr lang="en-US" altLang="en-US" sz="2000" dirty="0">
-                <a:solidFill>
-                  <a:prstClr val="black"/>
-                </a:solidFill>
-                <a:latin typeface="Arial" panose="020B0604020202020204" pitchFamily="34" charset="0"/>
-                <a:cs typeface="Arial" panose="020B0604020202020204" pitchFamily="34" charset="0"/>
-              </a:endParaRPr>
-            </a:p>
-            <a:p>
-              <a:pPr defTabSz="914225"/>
-              <a:r>
-                <a:rPr lang="en-US" altLang="en-US" sz="2000" b="1" dirty="0">
-                  <a:solidFill>
-                    <a:prstClr val="black"/>
-                  </a:solidFill>
-                  <a:latin typeface="Arial" panose="020B0604020202020204" pitchFamily="34" charset="0"/>
-                  <a:cs typeface="Arial" panose="020B0604020202020204" pitchFamily="34" charset="0"/>
-                </a:rPr>
-                <a:t>ProductID</a:t>
-              </a:r>
-            </a:p>
-            <a:p>
-              <a:pPr defTabSz="914225"/>
-              <a:r>
-                <a:rPr lang="en-US" altLang="en-US" sz="2000" dirty="0">
-                  <a:solidFill>
-                    <a:prstClr val="black"/>
-                  </a:solidFill>
-                  <a:latin typeface="Arial" panose="020B0604020202020204" pitchFamily="34" charset="0"/>
-                  <a:cs typeface="Arial" panose="020B0604020202020204" pitchFamily="34" charset="0"/>
-                </a:rPr>
-                <a:t>ProductName</a:t>
-              </a:r>
-            </a:p>
-            <a:p>
-              <a:pPr defTabSz="914225"/>
-              <a:r>
-                <a:rPr lang="en-US" altLang="en-US" sz="2000" dirty="0">
-                  <a:solidFill>
-                    <a:prstClr val="black"/>
-                  </a:solidFill>
-                  <a:latin typeface="Arial" panose="020B0604020202020204" pitchFamily="34" charset="0"/>
-                  <a:cs typeface="Arial" panose="020B0604020202020204" pitchFamily="34" charset="0"/>
-                </a:rPr>
-                <a:t>Price</a:t>
-              </a:r>
-            </a:p>
-          </p:txBody>
-        </p:sp>
-        <p:sp>
-          <p:nvSpPr>
-            <p:cNvPr id="33" name="Line 7">
-              <a:extLst>
-                <a:ext uri="{FF2B5EF4-FFF2-40B4-BE49-F238E27FC236}">
-                  <a16:creationId xmlns:a16="http://schemas.microsoft.com/office/drawing/2014/main" id="{AA505026-30B6-4E18-A033-F00B4D1E7DE3}"/>
-                </a:ext>
-              </a:extLst>
-            </p:cNvPr>
-            <p:cNvSpPr>
-              <a:spLocks noChangeShapeType="1"/>
-            </p:cNvSpPr>
-            <p:nvPr/>
-          </p:nvSpPr>
-          <p:spPr bwMode="auto">
-            <a:xfrm>
-              <a:off x="2342" y="1889"/>
-              <a:ext cx="1001" cy="0"/>
-            </a:xfrm>
-            <a:prstGeom prst="line">
-              <a:avLst/>
-            </a:prstGeom>
-            <a:noFill/>
-            <a:ln w="12700">
-              <a:solidFill>
-                <a:schemeClr val="tx1"/>
-              </a:solidFill>
-              <a:round/>
-              <a:headEnd/>
-              <a:tailEnd/>
-            </a:ln>
-            <a:extLst>
-              <a:ext uri="{909E8E84-426E-40DD-AFC4-6F175D3DCCD1}">
-                <a14:hiddenFill xmlns:a14="http://schemas.microsoft.com/office/drawing/2010/main">
-                  <a:noFill/>
-                </a14:hiddenFill>
-              </a:ext>
-            </a:extLst>
-          </p:spPr>
-          <p:txBody>
-            <a:bodyPr/>
-            <a:lstStyle/>
-            <a:p>
-              <a:pPr defTabSz="914225"/>
-              <a:endParaRPr lang="en-US" sz="2000" dirty="0">
-                <a:solidFill>
-                  <a:prstClr val="black"/>
-                </a:solidFill>
-                <a:latin typeface="Arial" panose="020B0604020202020204" pitchFamily="34" charset="0"/>
-                <a:cs typeface="Arial" panose="020B0604020202020204" pitchFamily="34" charset="0"/>
-              </a:endParaRPr>
-            </a:p>
-          </p:txBody>
-        </p:sp>
-      </p:grpSp>
-      <p:cxnSp>
-        <p:nvCxnSpPr>
-          <p:cNvPr id="34" name="Elbow Connector 57343">
-            <a:extLst>
-              <a:ext uri="{FF2B5EF4-FFF2-40B4-BE49-F238E27FC236}">
-                <a16:creationId xmlns:a16="http://schemas.microsoft.com/office/drawing/2014/main" id="{17EC4220-73CB-4457-A52F-4B258C07CF4F}"/>
-              </a:ext>
-            </a:extLst>
-          </p:cNvPr>
-          <p:cNvCxnSpPr>
-            <a:cxnSpLocks/>
-          </p:cNvCxnSpPr>
-          <p:nvPr/>
-        </p:nvCxnSpPr>
-        <p:spPr>
-          <a:xfrm rot="10800000" flipV="1">
-            <a:off x="6762805" y="2137581"/>
-            <a:ext cx="1195235" cy="714329"/>
-          </a:xfrm>
-          <a:prstGeom prst="bentConnector3">
-            <a:avLst/>
-          </a:prstGeom>
-          <a:ln w="38100">
-            <a:solidFill>
-              <a:schemeClr val="tx1"/>
-            </a:solidFill>
-          </a:ln>
-        </p:spPr>
-        <p:style>
-          <a:lnRef idx="1">
-            <a:schemeClr val="accent1"/>
-          </a:lnRef>
-          <a:fillRef idx="0">
-            <a:schemeClr val="accent1"/>
-          </a:fillRef>
-          <a:effectRef idx="0">
-            <a:schemeClr val="accent1"/>
-          </a:effectRef>
-          <a:fontRef idx="minor">
-            <a:schemeClr val="tx1"/>
-          </a:fontRef>
-        </p:style>
-      </p:cxnSp>
-    </p:spTree>
-    <p:extLst>
-      <p:ext uri="{BB962C8B-B14F-4D97-AF65-F5344CB8AC3E}">
-        <p14:creationId xmlns:p14="http://schemas.microsoft.com/office/powerpoint/2010/main" val="2342956962"/>
-      </p:ext>
-    </p:extLst>
-  </p:cSld>
-  <p:clrMapOvr>
-    <a:masterClrMapping/>
-  </p:clrMapOvr>
-  <mc:AlternateContent xmlns:mc="http://schemas.openxmlformats.org/markup-compatibility/2006" xmlns:p14="http://schemas.microsoft.com/office/powerpoint/2010/main">
-    <mc:Choice Requires="p14">
-      <p:transition p14:dur="0"/>
-    </mc:Choice>
-    <mc:Fallback xmlns="">
-      <p:transition/>
-    </mc:Fallback>
-  </mc:AlternateContent>
-  <p:timing>
-    <p:tnLst>
-      <p:par>
-        <p:cTn id="1" dur="indefinite" restart="never" nodeType="tmRoot">
-          <p:childTnLst>
-            <p:seq concurrent="1" nextAc="seek">
-              <p:cTn id="2" dur="indefinite" nodeType="mainSeq">
-                <p:childTnLst>
-                  <p:par>
-                    <p:cTn id="3" fill="hold">
-                      <p:stCondLst>
-                        <p:cond delay="indefinite"/>
-                      </p:stCondLst>
-                      <p:childTnLst>
-                        <p:par>
-                          <p:cTn id="4" fill="hold">
-                            <p:stCondLst>
-                              <p:cond delay="0"/>
-                            </p:stCondLst>
-                            <p:childTnLst>
-                              <p:par>
-                                <p:cTn id="5" presetID="1" presetClass="entr" presetSubtype="0" fill="hold" nodeType="clickEffect">
-                                  <p:stCondLst>
-                                    <p:cond delay="0"/>
-                                  </p:stCondLst>
-                                  <p:childTnLst>
-                                    <p:set>
-                                      <p:cBhvr>
-                                        <p:cTn id="6" dur="1" fill="hold">
-                                          <p:stCondLst>
-                                            <p:cond delay="0"/>
-                                          </p:stCondLst>
-                                        </p:cTn>
-                                        <p:tgtEl>
-                                          <p:spTgt spid="25"/>
-                                        </p:tgtEl>
-                                        <p:attrNameLst>
-                                          <p:attrName>style.visibility</p:attrName>
-                                        </p:attrNameLst>
-                                      </p:cBhvr>
-                                      <p:to>
-                                        <p:strVal val="visible"/>
-                                      </p:to>
-                                    </p:set>
-                                  </p:childTnLst>
-                                </p:cTn>
-                              </p:par>
-                            </p:childTnLst>
-                          </p:cTn>
-                        </p:par>
-                      </p:childTnLst>
-                    </p:cTn>
-                  </p:par>
-                  <p:par>
-                    <p:cTn id="7" fill="hold">
-                      <p:stCondLst>
-                        <p:cond delay="indefinite"/>
-                      </p:stCondLst>
-                      <p:childTnLst>
-                        <p:par>
-                          <p:cTn id="8" fill="hold">
-                            <p:stCondLst>
-                              <p:cond delay="0"/>
-                            </p:stCondLst>
-                            <p:childTnLst>
-                              <p:par>
-                                <p:cTn id="9" presetID="1" presetClass="entr" presetSubtype="0" fill="hold" nodeType="clickEffect">
-                                  <p:stCondLst>
-                                    <p:cond delay="0"/>
-                                  </p:stCondLst>
-                                  <p:childTnLst>
-                                    <p:set>
-                                      <p:cBhvr>
-                                        <p:cTn id="10" dur="1" fill="hold">
-                                          <p:stCondLst>
-                                            <p:cond delay="0"/>
-                                          </p:stCondLst>
-                                        </p:cTn>
-                                        <p:tgtEl>
-                                          <p:spTgt spid="34"/>
-                                        </p:tgtEl>
-                                        <p:attrNameLst>
-                                          <p:attrName>style.visibility</p:attrName>
-                                        </p:attrNameLst>
-                                      </p:cBhvr>
-                                      <p:to>
-                                        <p:strVal val="visible"/>
-                                      </p:to>
-                                    </p:set>
-                                  </p:childTnLst>
-                                </p:cTn>
-                              </p:par>
-                            </p:childTnLst>
-                          </p:cTn>
-                        </p:par>
-                      </p:childTnLst>
-                    </p:cTn>
-                  </p:par>
-                  <p:par>
-                    <p:cTn id="11" fill="hold">
-                      <p:stCondLst>
-                        <p:cond delay="indefinite"/>
-                      </p:stCondLst>
-                      <p:childTnLst>
-                        <p:par>
-                          <p:cTn id="12" fill="hold">
-                            <p:stCondLst>
-                              <p:cond delay="0"/>
-                            </p:stCondLst>
-                            <p:childTnLst>
-                              <p:par>
-                                <p:cTn id="13" presetID="1" presetClass="entr" presetSubtype="0" fill="hold" grpId="0" nodeType="clickEffect">
-                                  <p:stCondLst>
-                                    <p:cond delay="0"/>
-                                  </p:stCondLst>
-                                  <p:childTnLst>
-                                    <p:set>
-                                      <p:cBhvr>
-                                        <p:cTn id="14" dur="1" fill="hold">
-                                          <p:stCondLst>
-                                            <p:cond delay="0"/>
-                                          </p:stCondLst>
-                                        </p:cTn>
-                                        <p:tgtEl>
-                                          <p:spTgt spid="26"/>
-                                        </p:tgtEl>
-                                        <p:attrNameLst>
-                                          <p:attrName>style.visibility</p:attrName>
-                                        </p:attrNameLst>
-                                      </p:cBhvr>
-                                      <p:to>
-                                        <p:strVal val="visible"/>
-                                      </p:to>
-                                    </p:set>
-                                  </p:childTnLst>
-                                </p:cTn>
-                              </p:par>
-                            </p:childTnLst>
-                          </p:cTn>
-                        </p:par>
-                      </p:childTnLst>
-                    </p:cTn>
-                  </p:par>
-                </p:childTnLst>
-              </p:cTn>
-              <p:prevCondLst>
-                <p:cond evt="onPrev" delay="0">
-                  <p:tgtEl>
-                    <p:sldTgt/>
-                  </p:tgtEl>
-                </p:cond>
-              </p:prevCondLst>
-              <p:nextCondLst>
-                <p:cond evt="onNext" delay="0">
-                  <p:tgtEl>
-                    <p:sldTgt/>
-                  </p:tgtEl>
-                </p:cond>
-              </p:nextCondLst>
-            </p:seq>
-          </p:childTnLst>
-        </p:cTn>
-      </p:par>
-    </p:tnLst>
-    <p:bldLst>
-      <p:bldP spid="26" grpId="0"/>
-    </p:bldLst>
-  </p:timing>
 </p:sld>
 </file>
 
@@ -15166,5 +15791,7 @@
 </file>
 
 <file path=docMetadata/LabelInfo.xml><?xml version="1.0" encoding="utf-8"?>
-<clbl:labelList xmlns:clbl="http://schemas.microsoft.com/office/2020/mipLabelMetadata"/>
+<clbl:labelList xmlns:clbl="http://schemas.microsoft.com/office/2020/mipLabelMetadata">
+  <clbl:label id="{f42aa342-8706-4288-bd11-ebb85995028c}" enabled="1" method="Privileged" siteId="{72f988bf-86f1-41af-91ab-2d7cd011db47}" removed="0"/>
+</clbl:labelList>
 </file>